--- a/Dokumentacija/PrezentacijaProjekata.pptx
+++ b/Dokumentacija/PrezentacijaProjekata.pptx
@@ -5748,7 +5748,7 @@
         <p:spPr/>
         <p:txBody>
           <a:bodyPr>
-            <a:normAutofit fontScale="92500" lnSpcReduction="10000"/>
+            <a:normAutofit/>
           </a:bodyPr>
           <a:lstStyle/>
           <a:p>
@@ -5800,26 +5800,6 @@
               <a:rPr lang="hr-HR" dirty="0"/>
               <a:t>Povijest darivanja krvi je dostupna korisnicima</a:t>
             </a:r>
-            <a:endParaRPr lang="en-GB" dirty="0"/>
-          </a:p>
-          <a:p>
-            <a:r>
-              <a:rPr lang="hr-HR" dirty="0"/>
-              <a:t>Kada su količine krvi male, sustav šalje oglas svim korisnicima za potrebnu lokaciju</a:t>
-            </a:r>
-            <a:endParaRPr lang="en-GB" dirty="0"/>
-          </a:p>
-          <a:p>
-            <a:r>
-              <a:rPr lang="hr-HR" dirty="0"/>
-              <a:t>Darivatelj potvrđuje dolazak na darivanje krvi</a:t>
-            </a:r>
-          </a:p>
-          <a:p>
-            <a:pPr marL="0" indent="0">
-              <a:buNone/>
-            </a:pPr>
-            <a:endParaRPr lang="hr-HR" dirty="0"/>
           </a:p>
           <a:p>
             <a:pPr marL="0" indent="0">

--- a/Dokumentacija/PrezentacijaProjekata.pptx
+++ b/Dokumentacija/PrezentacijaProjekata.pptx
@@ -6245,7 +6245,15 @@
             </a:r>
             <a:r>
               <a:rPr lang="en-GB" dirty="0"/>
-              <a:t> I backend</a:t>
+              <a:t> </a:t>
+            </a:r>
+            <a:r>
+              <a:rPr lang="hr-HR" dirty="0"/>
+              <a:t>i</a:t>
+            </a:r>
+            <a:r>
+              <a:rPr lang="en-GB" dirty="0"/>
+              <a:t> backend</a:t>
             </a:r>
             <a:endParaRPr lang="hr-HR" dirty="0"/>
           </a:p>
@@ -6285,7 +6293,15 @@
             </a:r>
             <a:r>
               <a:rPr lang="en-GB" dirty="0"/>
-              <a:t> I </a:t>
+              <a:t> </a:t>
+            </a:r>
+            <a:r>
+              <a:rPr lang="hr-HR" dirty="0"/>
+              <a:t>i</a:t>
+            </a:r>
+            <a:r>
+              <a:rPr lang="en-GB" dirty="0"/>
+              <a:t> </a:t>
             </a:r>
             <a:r>
               <a:rPr lang="en-GB" dirty="0" err="1"/>

--- a/Dokumentacija/PrezentacijaProjekata.pptx
+++ b/Dokumentacija/PrezentacijaProjekata.pptx
@@ -4804,6 +4804,9 @@
   <p:clrMapOvr>
     <a:masterClrMapping/>
   </p:clrMapOvr>
+  <p:transition spd="slow">
+    <p:wipe/>
+  </p:transition>
 </p:sld>
 </file>
 
@@ -4960,6 +4963,468 @@
   <p:clrMapOvr>
     <a:masterClrMapping/>
   </p:clrMapOvr>
+  <p:transition spd="slow">
+    <p:wipe/>
+  </p:transition>
+  <p:timing>
+    <p:tnLst>
+      <p:par>
+        <p:cTn id="1" dur="indefinite" restart="never" nodeType="tmRoot">
+          <p:childTnLst>
+            <p:seq concurrent="1" nextAc="seek">
+              <p:cTn id="2" dur="indefinite" nodeType="mainSeq">
+                <p:childTnLst>
+                  <p:par>
+                    <p:cTn id="3" fill="hold">
+                      <p:stCondLst>
+                        <p:cond delay="indefinite"/>
+                      </p:stCondLst>
+                      <p:childTnLst>
+                        <p:par>
+                          <p:cTn id="4" fill="hold">
+                            <p:stCondLst>
+                              <p:cond delay="0"/>
+                            </p:stCondLst>
+                            <p:childTnLst>
+                              <p:par>
+                                <p:cTn id="5" presetID="16" presetClass="entr" presetSubtype="21" fill="hold" grpId="0" nodeType="clickEffect">
+                                  <p:stCondLst>
+                                    <p:cond delay="0"/>
+                                  </p:stCondLst>
+                                  <p:childTnLst>
+                                    <p:set>
+                                      <p:cBhvr>
+                                        <p:cTn id="6" dur="1" fill="hold">
+                                          <p:stCondLst>
+                                            <p:cond delay="0"/>
+                                          </p:stCondLst>
+                                        </p:cTn>
+                                        <p:tgtEl>
+                                          <p:spTgt spid="2"/>
+                                        </p:tgtEl>
+                                        <p:attrNameLst>
+                                          <p:attrName>style.visibility</p:attrName>
+                                        </p:attrNameLst>
+                                      </p:cBhvr>
+                                      <p:to>
+                                        <p:strVal val="visible"/>
+                                      </p:to>
+                                    </p:set>
+                                    <p:animEffect transition="in" filter="barn(inVertical)">
+                                      <p:cBhvr>
+                                        <p:cTn id="7" dur="500"/>
+                                        <p:tgtEl>
+                                          <p:spTgt spid="2"/>
+                                        </p:tgtEl>
+                                      </p:cBhvr>
+                                    </p:animEffect>
+                                  </p:childTnLst>
+                                </p:cTn>
+                              </p:par>
+                            </p:childTnLst>
+                          </p:cTn>
+                        </p:par>
+                      </p:childTnLst>
+                    </p:cTn>
+                  </p:par>
+                  <p:par>
+                    <p:cTn id="8" fill="hold">
+                      <p:stCondLst>
+                        <p:cond delay="indefinite"/>
+                      </p:stCondLst>
+                      <p:childTnLst>
+                        <p:par>
+                          <p:cTn id="9" fill="hold">
+                            <p:stCondLst>
+                              <p:cond delay="0"/>
+                            </p:stCondLst>
+                            <p:childTnLst>
+                              <p:par>
+                                <p:cTn id="10" presetID="16" presetClass="entr" presetSubtype="21" fill="hold" nodeType="clickEffect">
+                                  <p:stCondLst>
+                                    <p:cond delay="0"/>
+                                  </p:stCondLst>
+                                  <p:childTnLst>
+                                    <p:set>
+                                      <p:cBhvr>
+                                        <p:cTn id="11" dur="1" fill="hold">
+                                          <p:stCondLst>
+                                            <p:cond delay="0"/>
+                                          </p:stCondLst>
+                                        </p:cTn>
+                                        <p:tgtEl>
+                                          <p:spTgt spid="3">
+                                            <p:txEl>
+                                              <p:pRg st="1" end="1"/>
+                                            </p:txEl>
+                                          </p:spTgt>
+                                        </p:tgtEl>
+                                        <p:attrNameLst>
+                                          <p:attrName>style.visibility</p:attrName>
+                                        </p:attrNameLst>
+                                      </p:cBhvr>
+                                      <p:to>
+                                        <p:strVal val="visible"/>
+                                      </p:to>
+                                    </p:set>
+                                    <p:animEffect transition="in" filter="barn(inVertical)">
+                                      <p:cBhvr>
+                                        <p:cTn id="12" dur="500"/>
+                                        <p:tgtEl>
+                                          <p:spTgt spid="3">
+                                            <p:txEl>
+                                              <p:pRg st="1" end="1"/>
+                                            </p:txEl>
+                                          </p:spTgt>
+                                        </p:tgtEl>
+                                      </p:cBhvr>
+                                    </p:animEffect>
+                                  </p:childTnLst>
+                                </p:cTn>
+                              </p:par>
+                            </p:childTnLst>
+                          </p:cTn>
+                        </p:par>
+                        <p:par>
+                          <p:cTn id="13" fill="hold">
+                            <p:stCondLst>
+                              <p:cond delay="500"/>
+                            </p:stCondLst>
+                            <p:childTnLst>
+                              <p:par>
+                                <p:cTn id="14" presetID="16" presetClass="entr" presetSubtype="21" fill="hold" nodeType="afterEffect">
+                                  <p:stCondLst>
+                                    <p:cond delay="0"/>
+                                  </p:stCondLst>
+                                  <p:childTnLst>
+                                    <p:set>
+                                      <p:cBhvr>
+                                        <p:cTn id="15" dur="1" fill="hold">
+                                          <p:stCondLst>
+                                            <p:cond delay="0"/>
+                                          </p:stCondLst>
+                                        </p:cTn>
+                                        <p:tgtEl>
+                                          <p:spTgt spid="3">
+                                            <p:txEl>
+                                              <p:pRg st="2" end="2"/>
+                                            </p:txEl>
+                                          </p:spTgt>
+                                        </p:tgtEl>
+                                        <p:attrNameLst>
+                                          <p:attrName>style.visibility</p:attrName>
+                                        </p:attrNameLst>
+                                      </p:cBhvr>
+                                      <p:to>
+                                        <p:strVal val="visible"/>
+                                      </p:to>
+                                    </p:set>
+                                    <p:animEffect transition="in" filter="barn(inVertical)">
+                                      <p:cBhvr>
+                                        <p:cTn id="16" dur="500"/>
+                                        <p:tgtEl>
+                                          <p:spTgt spid="3">
+                                            <p:txEl>
+                                              <p:pRg st="2" end="2"/>
+                                            </p:txEl>
+                                          </p:spTgt>
+                                        </p:tgtEl>
+                                      </p:cBhvr>
+                                    </p:animEffect>
+                                  </p:childTnLst>
+                                </p:cTn>
+                              </p:par>
+                            </p:childTnLst>
+                          </p:cTn>
+                        </p:par>
+                        <p:par>
+                          <p:cTn id="17" fill="hold">
+                            <p:stCondLst>
+                              <p:cond delay="1000"/>
+                            </p:stCondLst>
+                            <p:childTnLst>
+                              <p:par>
+                                <p:cTn id="18" presetID="16" presetClass="entr" presetSubtype="21" fill="hold" nodeType="afterEffect">
+                                  <p:stCondLst>
+                                    <p:cond delay="0"/>
+                                  </p:stCondLst>
+                                  <p:childTnLst>
+                                    <p:set>
+                                      <p:cBhvr>
+                                        <p:cTn id="19" dur="1" fill="hold">
+                                          <p:stCondLst>
+                                            <p:cond delay="0"/>
+                                          </p:stCondLst>
+                                        </p:cTn>
+                                        <p:tgtEl>
+                                          <p:spTgt spid="3">
+                                            <p:txEl>
+                                              <p:pRg st="3" end="3"/>
+                                            </p:txEl>
+                                          </p:spTgt>
+                                        </p:tgtEl>
+                                        <p:attrNameLst>
+                                          <p:attrName>style.visibility</p:attrName>
+                                        </p:attrNameLst>
+                                      </p:cBhvr>
+                                      <p:to>
+                                        <p:strVal val="visible"/>
+                                      </p:to>
+                                    </p:set>
+                                    <p:animEffect transition="in" filter="barn(inVertical)">
+                                      <p:cBhvr>
+                                        <p:cTn id="20" dur="500"/>
+                                        <p:tgtEl>
+                                          <p:spTgt spid="3">
+                                            <p:txEl>
+                                              <p:pRg st="3" end="3"/>
+                                            </p:txEl>
+                                          </p:spTgt>
+                                        </p:tgtEl>
+                                      </p:cBhvr>
+                                    </p:animEffect>
+                                  </p:childTnLst>
+                                </p:cTn>
+                              </p:par>
+                            </p:childTnLst>
+                          </p:cTn>
+                        </p:par>
+                        <p:par>
+                          <p:cTn id="21" fill="hold">
+                            <p:stCondLst>
+                              <p:cond delay="1500"/>
+                            </p:stCondLst>
+                            <p:childTnLst>
+                              <p:par>
+                                <p:cTn id="22" presetID="16" presetClass="entr" presetSubtype="21" fill="hold" nodeType="afterEffect">
+                                  <p:stCondLst>
+                                    <p:cond delay="0"/>
+                                  </p:stCondLst>
+                                  <p:childTnLst>
+                                    <p:set>
+                                      <p:cBhvr>
+                                        <p:cTn id="23" dur="1" fill="hold">
+                                          <p:stCondLst>
+                                            <p:cond delay="0"/>
+                                          </p:stCondLst>
+                                        </p:cTn>
+                                        <p:tgtEl>
+                                          <p:spTgt spid="3">
+                                            <p:txEl>
+                                              <p:pRg st="4" end="4"/>
+                                            </p:txEl>
+                                          </p:spTgt>
+                                        </p:tgtEl>
+                                        <p:attrNameLst>
+                                          <p:attrName>style.visibility</p:attrName>
+                                        </p:attrNameLst>
+                                      </p:cBhvr>
+                                      <p:to>
+                                        <p:strVal val="visible"/>
+                                      </p:to>
+                                    </p:set>
+                                    <p:animEffect transition="in" filter="barn(inVertical)">
+                                      <p:cBhvr>
+                                        <p:cTn id="24" dur="500"/>
+                                        <p:tgtEl>
+                                          <p:spTgt spid="3">
+                                            <p:txEl>
+                                              <p:pRg st="4" end="4"/>
+                                            </p:txEl>
+                                          </p:spTgt>
+                                        </p:tgtEl>
+                                      </p:cBhvr>
+                                    </p:animEffect>
+                                  </p:childTnLst>
+                                </p:cTn>
+                              </p:par>
+                            </p:childTnLst>
+                          </p:cTn>
+                        </p:par>
+                        <p:par>
+                          <p:cTn id="25" fill="hold">
+                            <p:stCondLst>
+                              <p:cond delay="2000"/>
+                            </p:stCondLst>
+                            <p:childTnLst>
+                              <p:par>
+                                <p:cTn id="26" presetID="16" presetClass="entr" presetSubtype="21" fill="hold" nodeType="afterEffect">
+                                  <p:stCondLst>
+                                    <p:cond delay="0"/>
+                                  </p:stCondLst>
+                                  <p:childTnLst>
+                                    <p:set>
+                                      <p:cBhvr>
+                                        <p:cTn id="27" dur="1" fill="hold">
+                                          <p:stCondLst>
+                                            <p:cond delay="0"/>
+                                          </p:stCondLst>
+                                        </p:cTn>
+                                        <p:tgtEl>
+                                          <p:spTgt spid="3">
+                                            <p:txEl>
+                                              <p:pRg st="5" end="5"/>
+                                            </p:txEl>
+                                          </p:spTgt>
+                                        </p:tgtEl>
+                                        <p:attrNameLst>
+                                          <p:attrName>style.visibility</p:attrName>
+                                        </p:attrNameLst>
+                                      </p:cBhvr>
+                                      <p:to>
+                                        <p:strVal val="visible"/>
+                                      </p:to>
+                                    </p:set>
+                                    <p:animEffect transition="in" filter="barn(inVertical)">
+                                      <p:cBhvr>
+                                        <p:cTn id="28" dur="500"/>
+                                        <p:tgtEl>
+                                          <p:spTgt spid="3">
+                                            <p:txEl>
+                                              <p:pRg st="5" end="5"/>
+                                            </p:txEl>
+                                          </p:spTgt>
+                                        </p:tgtEl>
+                                      </p:cBhvr>
+                                    </p:animEffect>
+                                  </p:childTnLst>
+                                </p:cTn>
+                              </p:par>
+                            </p:childTnLst>
+                          </p:cTn>
+                        </p:par>
+                        <p:par>
+                          <p:cTn id="29" fill="hold">
+                            <p:stCondLst>
+                              <p:cond delay="2500"/>
+                            </p:stCondLst>
+                            <p:childTnLst>
+                              <p:par>
+                                <p:cTn id="30" presetID="16" presetClass="entr" presetSubtype="21" fill="hold" nodeType="afterEffect">
+                                  <p:stCondLst>
+                                    <p:cond delay="0"/>
+                                  </p:stCondLst>
+                                  <p:childTnLst>
+                                    <p:set>
+                                      <p:cBhvr>
+                                        <p:cTn id="31" dur="1" fill="hold">
+                                          <p:stCondLst>
+                                            <p:cond delay="0"/>
+                                          </p:stCondLst>
+                                        </p:cTn>
+                                        <p:tgtEl>
+                                          <p:spTgt spid="3">
+                                            <p:txEl>
+                                              <p:pRg st="6" end="6"/>
+                                            </p:txEl>
+                                          </p:spTgt>
+                                        </p:tgtEl>
+                                        <p:attrNameLst>
+                                          <p:attrName>style.visibility</p:attrName>
+                                        </p:attrNameLst>
+                                      </p:cBhvr>
+                                      <p:to>
+                                        <p:strVal val="visible"/>
+                                      </p:to>
+                                    </p:set>
+                                    <p:animEffect transition="in" filter="barn(inVertical)">
+                                      <p:cBhvr>
+                                        <p:cTn id="32" dur="500"/>
+                                        <p:tgtEl>
+                                          <p:spTgt spid="3">
+                                            <p:txEl>
+                                              <p:pRg st="6" end="6"/>
+                                            </p:txEl>
+                                          </p:spTgt>
+                                        </p:tgtEl>
+                                      </p:cBhvr>
+                                    </p:animEffect>
+                                  </p:childTnLst>
+                                </p:cTn>
+                              </p:par>
+                            </p:childTnLst>
+                          </p:cTn>
+                        </p:par>
+                        <p:par>
+                          <p:cTn id="33" fill="hold">
+                            <p:stCondLst>
+                              <p:cond delay="3000"/>
+                            </p:stCondLst>
+                            <p:childTnLst>
+                              <p:par>
+                                <p:cTn id="34" presetID="16" presetClass="entr" presetSubtype="21" fill="hold" nodeType="afterEffect">
+                                  <p:stCondLst>
+                                    <p:cond delay="0"/>
+                                  </p:stCondLst>
+                                  <p:childTnLst>
+                                    <p:set>
+                                      <p:cBhvr>
+                                        <p:cTn id="35" dur="1" fill="hold">
+                                          <p:stCondLst>
+                                            <p:cond delay="0"/>
+                                          </p:stCondLst>
+                                        </p:cTn>
+                                        <p:tgtEl>
+                                          <p:spTgt spid="3">
+                                            <p:txEl>
+                                              <p:pRg st="7" end="7"/>
+                                            </p:txEl>
+                                          </p:spTgt>
+                                        </p:tgtEl>
+                                        <p:attrNameLst>
+                                          <p:attrName>style.visibility</p:attrName>
+                                        </p:attrNameLst>
+                                      </p:cBhvr>
+                                      <p:to>
+                                        <p:strVal val="visible"/>
+                                      </p:to>
+                                    </p:set>
+                                    <p:animEffect transition="in" filter="barn(inVertical)">
+                                      <p:cBhvr>
+                                        <p:cTn id="36" dur="500"/>
+                                        <p:tgtEl>
+                                          <p:spTgt spid="3">
+                                            <p:txEl>
+                                              <p:pRg st="7" end="7"/>
+                                            </p:txEl>
+                                          </p:spTgt>
+                                        </p:tgtEl>
+                                      </p:cBhvr>
+                                    </p:animEffect>
+                                  </p:childTnLst>
+                                </p:cTn>
+                              </p:par>
+                            </p:childTnLst>
+                          </p:cTn>
+                        </p:par>
+                      </p:childTnLst>
+                    </p:cTn>
+                  </p:par>
+                </p:childTnLst>
+              </p:cTn>
+              <p:prevCondLst>
+                <p:cond evt="onPrev" delay="0">
+                  <p:tgtEl>
+                    <p:sldTgt/>
+                  </p:tgtEl>
+                </p:cond>
+              </p:prevCondLst>
+              <p:nextCondLst>
+                <p:cond evt="onNext" delay="0">
+                  <p:tgtEl>
+                    <p:sldTgt/>
+                  </p:tgtEl>
+                </p:cond>
+              </p:nextCondLst>
+            </p:seq>
+          </p:childTnLst>
+        </p:cTn>
+      </p:par>
+    </p:tnLst>
+    <p:bldLst>
+      <p:bldP spid="2" grpId="0"/>
+    </p:bldLst>
+  </p:timing>
 </p:sld>
 </file>
 
@@ -5081,6 +5546,401 @@
   <p:clrMapOvr>
     <a:masterClrMapping/>
   </p:clrMapOvr>
+  <p:transition spd="slow">
+    <p:wipe/>
+  </p:transition>
+  <p:timing>
+    <p:tnLst>
+      <p:par>
+        <p:cTn id="1" dur="indefinite" restart="never" nodeType="tmRoot">
+          <p:childTnLst>
+            <p:seq concurrent="1" nextAc="seek">
+              <p:cTn id="2" dur="indefinite" nodeType="mainSeq">
+                <p:childTnLst>
+                  <p:par>
+                    <p:cTn id="3" fill="hold">
+                      <p:stCondLst>
+                        <p:cond delay="indefinite"/>
+                      </p:stCondLst>
+                      <p:childTnLst>
+                        <p:par>
+                          <p:cTn id="4" fill="hold">
+                            <p:stCondLst>
+                              <p:cond delay="0"/>
+                            </p:stCondLst>
+                            <p:childTnLst>
+                              <p:par>
+                                <p:cTn id="5" presetID="16" presetClass="entr" presetSubtype="21" fill="hold" grpId="0" nodeType="clickEffect">
+                                  <p:stCondLst>
+                                    <p:cond delay="0"/>
+                                  </p:stCondLst>
+                                  <p:childTnLst>
+                                    <p:set>
+                                      <p:cBhvr>
+                                        <p:cTn id="6" dur="1" fill="hold">
+                                          <p:stCondLst>
+                                            <p:cond delay="0"/>
+                                          </p:stCondLst>
+                                        </p:cTn>
+                                        <p:tgtEl>
+                                          <p:spTgt spid="2"/>
+                                        </p:tgtEl>
+                                        <p:attrNameLst>
+                                          <p:attrName>style.visibility</p:attrName>
+                                        </p:attrNameLst>
+                                      </p:cBhvr>
+                                      <p:to>
+                                        <p:strVal val="visible"/>
+                                      </p:to>
+                                    </p:set>
+                                    <p:animEffect transition="in" filter="barn(inVertical)">
+                                      <p:cBhvr>
+                                        <p:cTn id="7" dur="500"/>
+                                        <p:tgtEl>
+                                          <p:spTgt spid="2"/>
+                                        </p:tgtEl>
+                                      </p:cBhvr>
+                                    </p:animEffect>
+                                  </p:childTnLst>
+                                </p:cTn>
+                              </p:par>
+                            </p:childTnLst>
+                          </p:cTn>
+                        </p:par>
+                      </p:childTnLst>
+                    </p:cTn>
+                  </p:par>
+                  <p:par>
+                    <p:cTn id="8" fill="hold">
+                      <p:stCondLst>
+                        <p:cond delay="indefinite"/>
+                      </p:stCondLst>
+                      <p:childTnLst>
+                        <p:par>
+                          <p:cTn id="9" fill="hold">
+                            <p:stCondLst>
+                              <p:cond delay="0"/>
+                            </p:stCondLst>
+                            <p:childTnLst>
+                              <p:par>
+                                <p:cTn id="10" presetID="16" presetClass="entr" presetSubtype="21" fill="hold" grpId="0" nodeType="clickEffect">
+                                  <p:stCondLst>
+                                    <p:cond delay="0"/>
+                                  </p:stCondLst>
+                                  <p:childTnLst>
+                                    <p:set>
+                                      <p:cBhvr>
+                                        <p:cTn id="11" dur="1" fill="hold">
+                                          <p:stCondLst>
+                                            <p:cond delay="0"/>
+                                          </p:stCondLst>
+                                        </p:cTn>
+                                        <p:tgtEl>
+                                          <p:spTgt spid="3">
+                                            <p:txEl>
+                                              <p:pRg st="0" end="0"/>
+                                            </p:txEl>
+                                          </p:spTgt>
+                                        </p:tgtEl>
+                                        <p:attrNameLst>
+                                          <p:attrName>style.visibility</p:attrName>
+                                        </p:attrNameLst>
+                                      </p:cBhvr>
+                                      <p:to>
+                                        <p:strVal val="visible"/>
+                                      </p:to>
+                                    </p:set>
+                                    <p:animEffect transition="in" filter="barn(inVertical)">
+                                      <p:cBhvr>
+                                        <p:cTn id="12" dur="500"/>
+                                        <p:tgtEl>
+                                          <p:spTgt spid="3">
+                                            <p:txEl>
+                                              <p:pRg st="0" end="0"/>
+                                            </p:txEl>
+                                          </p:spTgt>
+                                        </p:tgtEl>
+                                      </p:cBhvr>
+                                    </p:animEffect>
+                                  </p:childTnLst>
+                                </p:cTn>
+                              </p:par>
+                            </p:childTnLst>
+                          </p:cTn>
+                        </p:par>
+                      </p:childTnLst>
+                    </p:cTn>
+                  </p:par>
+                  <p:par>
+                    <p:cTn id="13" fill="hold">
+                      <p:stCondLst>
+                        <p:cond delay="indefinite"/>
+                      </p:stCondLst>
+                      <p:childTnLst>
+                        <p:par>
+                          <p:cTn id="14" fill="hold">
+                            <p:stCondLst>
+                              <p:cond delay="0"/>
+                            </p:stCondLst>
+                            <p:childTnLst>
+                              <p:par>
+                                <p:cTn id="15" presetID="16" presetClass="entr" presetSubtype="21" fill="hold" grpId="0" nodeType="clickEffect">
+                                  <p:stCondLst>
+                                    <p:cond delay="0"/>
+                                  </p:stCondLst>
+                                  <p:childTnLst>
+                                    <p:set>
+                                      <p:cBhvr>
+                                        <p:cTn id="16" dur="1" fill="hold">
+                                          <p:stCondLst>
+                                            <p:cond delay="0"/>
+                                          </p:stCondLst>
+                                        </p:cTn>
+                                        <p:tgtEl>
+                                          <p:spTgt spid="3">
+                                            <p:txEl>
+                                              <p:pRg st="1" end="1"/>
+                                            </p:txEl>
+                                          </p:spTgt>
+                                        </p:tgtEl>
+                                        <p:attrNameLst>
+                                          <p:attrName>style.visibility</p:attrName>
+                                        </p:attrNameLst>
+                                      </p:cBhvr>
+                                      <p:to>
+                                        <p:strVal val="visible"/>
+                                      </p:to>
+                                    </p:set>
+                                    <p:animEffect transition="in" filter="barn(inVertical)">
+                                      <p:cBhvr>
+                                        <p:cTn id="17" dur="500"/>
+                                        <p:tgtEl>
+                                          <p:spTgt spid="3">
+                                            <p:txEl>
+                                              <p:pRg st="1" end="1"/>
+                                            </p:txEl>
+                                          </p:spTgt>
+                                        </p:tgtEl>
+                                      </p:cBhvr>
+                                    </p:animEffect>
+                                  </p:childTnLst>
+                                </p:cTn>
+                              </p:par>
+                            </p:childTnLst>
+                          </p:cTn>
+                        </p:par>
+                      </p:childTnLst>
+                    </p:cTn>
+                  </p:par>
+                  <p:par>
+                    <p:cTn id="18" fill="hold">
+                      <p:stCondLst>
+                        <p:cond delay="indefinite"/>
+                      </p:stCondLst>
+                      <p:childTnLst>
+                        <p:par>
+                          <p:cTn id="19" fill="hold">
+                            <p:stCondLst>
+                              <p:cond delay="0"/>
+                            </p:stCondLst>
+                            <p:childTnLst>
+                              <p:par>
+                                <p:cTn id="20" presetID="16" presetClass="entr" presetSubtype="21" fill="hold" grpId="0" nodeType="clickEffect">
+                                  <p:stCondLst>
+                                    <p:cond delay="0"/>
+                                  </p:stCondLst>
+                                  <p:childTnLst>
+                                    <p:set>
+                                      <p:cBhvr>
+                                        <p:cTn id="21" dur="1" fill="hold">
+                                          <p:stCondLst>
+                                            <p:cond delay="0"/>
+                                          </p:stCondLst>
+                                        </p:cTn>
+                                        <p:tgtEl>
+                                          <p:spTgt spid="3">
+                                            <p:txEl>
+                                              <p:pRg st="2" end="2"/>
+                                            </p:txEl>
+                                          </p:spTgt>
+                                        </p:tgtEl>
+                                        <p:attrNameLst>
+                                          <p:attrName>style.visibility</p:attrName>
+                                        </p:attrNameLst>
+                                      </p:cBhvr>
+                                      <p:to>
+                                        <p:strVal val="visible"/>
+                                      </p:to>
+                                    </p:set>
+                                    <p:animEffect transition="in" filter="barn(inVertical)">
+                                      <p:cBhvr>
+                                        <p:cTn id="22" dur="500"/>
+                                        <p:tgtEl>
+                                          <p:spTgt spid="3">
+                                            <p:txEl>
+                                              <p:pRg st="2" end="2"/>
+                                            </p:txEl>
+                                          </p:spTgt>
+                                        </p:tgtEl>
+                                      </p:cBhvr>
+                                    </p:animEffect>
+                                  </p:childTnLst>
+                                </p:cTn>
+                              </p:par>
+                            </p:childTnLst>
+                          </p:cTn>
+                        </p:par>
+                      </p:childTnLst>
+                    </p:cTn>
+                  </p:par>
+                  <p:par>
+                    <p:cTn id="23" fill="hold">
+                      <p:stCondLst>
+                        <p:cond delay="indefinite"/>
+                      </p:stCondLst>
+                      <p:childTnLst>
+                        <p:par>
+                          <p:cTn id="24" fill="hold">
+                            <p:stCondLst>
+                              <p:cond delay="0"/>
+                            </p:stCondLst>
+                            <p:childTnLst>
+                              <p:par>
+                                <p:cTn id="25" presetID="16" presetClass="entr" presetSubtype="21" fill="hold" grpId="0" nodeType="clickEffect">
+                                  <p:stCondLst>
+                                    <p:cond delay="0"/>
+                                  </p:stCondLst>
+                                  <p:childTnLst>
+                                    <p:set>
+                                      <p:cBhvr>
+                                        <p:cTn id="26" dur="1" fill="hold">
+                                          <p:stCondLst>
+                                            <p:cond delay="0"/>
+                                          </p:stCondLst>
+                                        </p:cTn>
+                                        <p:tgtEl>
+                                          <p:spTgt spid="3">
+                                            <p:txEl>
+                                              <p:pRg st="3" end="3"/>
+                                            </p:txEl>
+                                          </p:spTgt>
+                                        </p:tgtEl>
+                                        <p:attrNameLst>
+                                          <p:attrName>style.visibility</p:attrName>
+                                        </p:attrNameLst>
+                                      </p:cBhvr>
+                                      <p:to>
+                                        <p:strVal val="visible"/>
+                                      </p:to>
+                                    </p:set>
+                                    <p:animEffect transition="in" filter="barn(inVertical)">
+                                      <p:cBhvr>
+                                        <p:cTn id="27" dur="500"/>
+                                        <p:tgtEl>
+                                          <p:spTgt spid="3">
+                                            <p:txEl>
+                                              <p:pRg st="3" end="3"/>
+                                            </p:txEl>
+                                          </p:spTgt>
+                                        </p:tgtEl>
+                                      </p:cBhvr>
+                                    </p:animEffect>
+                                  </p:childTnLst>
+                                </p:cTn>
+                              </p:par>
+                            </p:childTnLst>
+                          </p:cTn>
+                        </p:par>
+                      </p:childTnLst>
+                    </p:cTn>
+                  </p:par>
+                  <p:par>
+                    <p:cTn id="28" fill="hold">
+                      <p:stCondLst>
+                        <p:cond delay="indefinite"/>
+                      </p:stCondLst>
+                      <p:childTnLst>
+                        <p:par>
+                          <p:cTn id="29" fill="hold">
+                            <p:stCondLst>
+                              <p:cond delay="0"/>
+                            </p:stCondLst>
+                            <p:childTnLst>
+                              <p:par>
+                                <p:cTn id="30" presetID="16" presetClass="entr" presetSubtype="21" fill="hold" grpId="0" nodeType="clickEffect">
+                                  <p:stCondLst>
+                                    <p:cond delay="0"/>
+                                  </p:stCondLst>
+                                  <p:childTnLst>
+                                    <p:set>
+                                      <p:cBhvr>
+                                        <p:cTn id="31" dur="1" fill="hold">
+                                          <p:stCondLst>
+                                            <p:cond delay="0"/>
+                                          </p:stCondLst>
+                                        </p:cTn>
+                                        <p:tgtEl>
+                                          <p:spTgt spid="3">
+                                            <p:txEl>
+                                              <p:pRg st="4" end="4"/>
+                                            </p:txEl>
+                                          </p:spTgt>
+                                        </p:tgtEl>
+                                        <p:attrNameLst>
+                                          <p:attrName>style.visibility</p:attrName>
+                                        </p:attrNameLst>
+                                      </p:cBhvr>
+                                      <p:to>
+                                        <p:strVal val="visible"/>
+                                      </p:to>
+                                    </p:set>
+                                    <p:animEffect transition="in" filter="barn(inVertical)">
+                                      <p:cBhvr>
+                                        <p:cTn id="32" dur="500"/>
+                                        <p:tgtEl>
+                                          <p:spTgt spid="3">
+                                            <p:txEl>
+                                              <p:pRg st="4" end="4"/>
+                                            </p:txEl>
+                                          </p:spTgt>
+                                        </p:tgtEl>
+                                      </p:cBhvr>
+                                    </p:animEffect>
+                                  </p:childTnLst>
+                                </p:cTn>
+                              </p:par>
+                            </p:childTnLst>
+                          </p:cTn>
+                        </p:par>
+                      </p:childTnLst>
+                    </p:cTn>
+                  </p:par>
+                </p:childTnLst>
+              </p:cTn>
+              <p:prevCondLst>
+                <p:cond evt="onPrev" delay="0">
+                  <p:tgtEl>
+                    <p:sldTgt/>
+                  </p:tgtEl>
+                </p:cond>
+              </p:prevCondLst>
+              <p:nextCondLst>
+                <p:cond evt="onNext" delay="0">
+                  <p:tgtEl>
+                    <p:sldTgt/>
+                  </p:tgtEl>
+                </p:cond>
+              </p:nextCondLst>
+            </p:seq>
+          </p:childTnLst>
+        </p:cTn>
+      </p:par>
+    </p:tnLst>
+    <p:bldLst>
+      <p:bldP spid="2" grpId="0"/>
+      <p:bldP spid="3" grpId="0" build="p"/>
+    </p:bldLst>
+  </p:timing>
 </p:sld>
 </file>
 
@@ -5280,6 +6140,218 @@
   <p:clrMapOvr>
     <a:masterClrMapping/>
   </p:clrMapOvr>
+  <p:transition spd="slow">
+    <p:wipe/>
+  </p:transition>
+  <p:timing>
+    <p:tnLst>
+      <p:par>
+        <p:cTn id="1" dur="indefinite" restart="never" nodeType="tmRoot">
+          <p:childTnLst>
+            <p:seq concurrent="1" nextAc="seek">
+              <p:cTn id="2" dur="indefinite" nodeType="mainSeq">
+                <p:childTnLst>
+                  <p:par>
+                    <p:cTn id="3" fill="hold">
+                      <p:stCondLst>
+                        <p:cond delay="indefinite"/>
+                      </p:stCondLst>
+                      <p:childTnLst>
+                        <p:par>
+                          <p:cTn id="4" fill="hold">
+                            <p:stCondLst>
+                              <p:cond delay="0"/>
+                            </p:stCondLst>
+                            <p:childTnLst>
+                              <p:par>
+                                <p:cTn id="5" presetID="22" presetClass="entr" presetSubtype="4" fill="hold" grpId="0" nodeType="clickEffect">
+                                  <p:stCondLst>
+                                    <p:cond delay="0"/>
+                                  </p:stCondLst>
+                                  <p:childTnLst>
+                                    <p:set>
+                                      <p:cBhvr>
+                                        <p:cTn id="6" dur="1" fill="hold">
+                                          <p:stCondLst>
+                                            <p:cond delay="0"/>
+                                          </p:stCondLst>
+                                        </p:cTn>
+                                        <p:tgtEl>
+                                          <p:spTgt spid="2"/>
+                                        </p:tgtEl>
+                                        <p:attrNameLst>
+                                          <p:attrName>style.visibility</p:attrName>
+                                        </p:attrNameLst>
+                                      </p:cBhvr>
+                                      <p:to>
+                                        <p:strVal val="visible"/>
+                                      </p:to>
+                                    </p:set>
+                                    <p:animEffect transition="in" filter="wipe(down)">
+                                      <p:cBhvr>
+                                        <p:cTn id="7" dur="500"/>
+                                        <p:tgtEl>
+                                          <p:spTgt spid="2"/>
+                                        </p:tgtEl>
+                                      </p:cBhvr>
+                                    </p:animEffect>
+                                  </p:childTnLst>
+                                </p:cTn>
+                              </p:par>
+                            </p:childTnLst>
+                          </p:cTn>
+                        </p:par>
+                      </p:childTnLst>
+                    </p:cTn>
+                  </p:par>
+                  <p:par>
+                    <p:cTn id="8" fill="hold">
+                      <p:stCondLst>
+                        <p:cond delay="indefinite"/>
+                      </p:stCondLst>
+                      <p:childTnLst>
+                        <p:par>
+                          <p:cTn id="9" fill="hold">
+                            <p:stCondLst>
+                              <p:cond delay="0"/>
+                            </p:stCondLst>
+                            <p:childTnLst>
+                              <p:par>
+                                <p:cTn id="10" presetID="22" presetClass="entr" presetSubtype="4" fill="hold" grpId="0" nodeType="clickEffect">
+                                  <p:stCondLst>
+                                    <p:cond delay="0"/>
+                                  </p:stCondLst>
+                                  <p:childTnLst>
+                                    <p:set>
+                                      <p:cBhvr>
+                                        <p:cTn id="11" dur="1" fill="hold">
+                                          <p:stCondLst>
+                                            <p:cond delay="0"/>
+                                          </p:stCondLst>
+                                        </p:cTn>
+                                        <p:tgtEl>
+                                          <p:spTgt spid="3">
+                                            <p:txEl>
+                                              <p:pRg st="1" end="1"/>
+                                            </p:txEl>
+                                          </p:spTgt>
+                                        </p:tgtEl>
+                                        <p:attrNameLst>
+                                          <p:attrName>style.visibility</p:attrName>
+                                        </p:attrNameLst>
+                                      </p:cBhvr>
+                                      <p:to>
+                                        <p:strVal val="visible"/>
+                                      </p:to>
+                                    </p:set>
+                                    <p:animEffect transition="in" filter="wipe(down)">
+                                      <p:cBhvr>
+                                        <p:cTn id="12" dur="500"/>
+                                        <p:tgtEl>
+                                          <p:spTgt spid="3">
+                                            <p:txEl>
+                                              <p:pRg st="1" end="1"/>
+                                            </p:txEl>
+                                          </p:spTgt>
+                                        </p:tgtEl>
+                                      </p:cBhvr>
+                                    </p:animEffect>
+                                  </p:childTnLst>
+                                </p:cTn>
+                              </p:par>
+                            </p:childTnLst>
+                          </p:cTn>
+                        </p:par>
+                      </p:childTnLst>
+                    </p:cTn>
+                  </p:par>
+                  <p:par>
+                    <p:cTn id="13" fill="hold">
+                      <p:stCondLst>
+                        <p:cond delay="indefinite"/>
+                      </p:stCondLst>
+                      <p:childTnLst>
+                        <p:par>
+                          <p:cTn id="14" fill="hold">
+                            <p:stCondLst>
+                              <p:cond delay="0"/>
+                            </p:stCondLst>
+                            <p:childTnLst>
+                              <p:par>
+                                <p:cTn id="15" presetID="22" presetClass="entr" presetSubtype="4" fill="hold" grpId="0" nodeType="clickEffect">
+                                  <p:stCondLst>
+                                    <p:cond delay="0"/>
+                                  </p:stCondLst>
+                                  <p:childTnLst>
+                                    <p:set>
+                                      <p:cBhvr>
+                                        <p:cTn id="16" dur="1" fill="hold">
+                                          <p:stCondLst>
+                                            <p:cond delay="0"/>
+                                          </p:stCondLst>
+                                        </p:cTn>
+                                        <p:tgtEl>
+                                          <p:spTgt spid="3">
+                                            <p:txEl>
+                                              <p:pRg st="2" end="2"/>
+                                            </p:txEl>
+                                          </p:spTgt>
+                                        </p:tgtEl>
+                                        <p:attrNameLst>
+                                          <p:attrName>style.visibility</p:attrName>
+                                        </p:attrNameLst>
+                                      </p:cBhvr>
+                                      <p:to>
+                                        <p:strVal val="visible"/>
+                                      </p:to>
+                                    </p:set>
+                                    <p:animEffect transition="in" filter="wipe(down)">
+                                      <p:cBhvr>
+                                        <p:cTn id="17" dur="500"/>
+                                        <p:tgtEl>
+                                          <p:spTgt spid="3">
+                                            <p:txEl>
+                                              <p:pRg st="2" end="2"/>
+                                            </p:txEl>
+                                          </p:spTgt>
+                                        </p:tgtEl>
+                                      </p:cBhvr>
+                                    </p:animEffect>
+                                  </p:childTnLst>
+                                </p:cTn>
+                              </p:par>
+                            </p:childTnLst>
+                          </p:cTn>
+                        </p:par>
+                      </p:childTnLst>
+                    </p:cTn>
+                  </p:par>
+                </p:childTnLst>
+              </p:cTn>
+              <p:prevCondLst>
+                <p:cond evt="onPrev" delay="0">
+                  <p:tgtEl>
+                    <p:sldTgt/>
+                  </p:tgtEl>
+                </p:cond>
+              </p:prevCondLst>
+              <p:nextCondLst>
+                <p:cond evt="onNext" delay="0">
+                  <p:tgtEl>
+                    <p:sldTgt/>
+                  </p:tgtEl>
+                </p:cond>
+              </p:nextCondLst>
+            </p:seq>
+          </p:childTnLst>
+        </p:cTn>
+      </p:par>
+    </p:tnLst>
+    <p:bldLst>
+      <p:bldP spid="2" grpId="0"/>
+      <p:bldP spid="3" grpId="0" build="p"/>
+    </p:bldLst>
+  </p:timing>
 </p:sld>
 </file>
 
@@ -5365,7 +6437,15 @@
             </a:r>
             <a:r>
               <a:rPr lang="en-GB" sz="2400" dirty="0"/>
-              <a:t> I </a:t>
+              <a:t> </a:t>
+            </a:r>
+            <a:r>
+              <a:rPr lang="hr-HR" sz="2400" dirty="0"/>
+              <a:t>i</a:t>
+            </a:r>
+            <a:r>
+              <a:rPr lang="en-GB" sz="2400" dirty="0"/>
+              <a:t> </a:t>
             </a:r>
             <a:r>
               <a:rPr lang="en-GB" sz="2400" dirty="0" err="1"/>
@@ -5416,6 +6496,243 @@
   <p:clrMapOvr>
     <a:masterClrMapping/>
   </p:clrMapOvr>
+  <p:transition spd="slow">
+    <p:wipe/>
+  </p:transition>
+  <p:timing>
+    <p:tnLst>
+      <p:par>
+        <p:cTn id="1" dur="indefinite" restart="never" nodeType="tmRoot">
+          <p:childTnLst>
+            <p:seq concurrent="1" nextAc="seek">
+              <p:cTn id="2" dur="indefinite" nodeType="mainSeq">
+                <p:childTnLst>
+                  <p:par>
+                    <p:cTn id="3" fill="hold">
+                      <p:stCondLst>
+                        <p:cond delay="indefinite"/>
+                      </p:stCondLst>
+                      <p:childTnLst>
+                        <p:par>
+                          <p:cTn id="4" fill="hold">
+                            <p:stCondLst>
+                              <p:cond delay="0"/>
+                            </p:stCondLst>
+                            <p:childTnLst>
+                              <p:par>
+                                <p:cTn id="5" presetID="22" presetClass="entr" presetSubtype="4" fill="hold" grpId="0" nodeType="clickEffect">
+                                  <p:stCondLst>
+                                    <p:cond delay="0"/>
+                                  </p:stCondLst>
+                                  <p:childTnLst>
+                                    <p:set>
+                                      <p:cBhvr>
+                                        <p:cTn id="6" dur="1" fill="hold">
+                                          <p:stCondLst>
+                                            <p:cond delay="0"/>
+                                          </p:stCondLst>
+                                        </p:cTn>
+                                        <p:tgtEl>
+                                          <p:spTgt spid="2"/>
+                                        </p:tgtEl>
+                                        <p:attrNameLst>
+                                          <p:attrName>style.visibility</p:attrName>
+                                        </p:attrNameLst>
+                                      </p:cBhvr>
+                                      <p:to>
+                                        <p:strVal val="visible"/>
+                                      </p:to>
+                                    </p:set>
+                                    <p:animEffect transition="in" filter="wipe(down)">
+                                      <p:cBhvr>
+                                        <p:cTn id="7" dur="500"/>
+                                        <p:tgtEl>
+                                          <p:spTgt spid="2"/>
+                                        </p:tgtEl>
+                                      </p:cBhvr>
+                                    </p:animEffect>
+                                  </p:childTnLst>
+                                </p:cTn>
+                              </p:par>
+                            </p:childTnLst>
+                          </p:cTn>
+                        </p:par>
+                      </p:childTnLst>
+                    </p:cTn>
+                  </p:par>
+                  <p:par>
+                    <p:cTn id="8" fill="hold">
+                      <p:stCondLst>
+                        <p:cond delay="indefinite"/>
+                      </p:stCondLst>
+                      <p:childTnLst>
+                        <p:par>
+                          <p:cTn id="9" fill="hold">
+                            <p:stCondLst>
+                              <p:cond delay="0"/>
+                            </p:stCondLst>
+                            <p:childTnLst>
+                              <p:par>
+                                <p:cTn id="10" presetID="16" presetClass="entr" presetSubtype="21" fill="hold" grpId="0" nodeType="clickEffect">
+                                  <p:stCondLst>
+                                    <p:cond delay="0"/>
+                                  </p:stCondLst>
+                                  <p:childTnLst>
+                                    <p:set>
+                                      <p:cBhvr>
+                                        <p:cTn id="11" dur="1" fill="hold">
+                                          <p:stCondLst>
+                                            <p:cond delay="0"/>
+                                          </p:stCondLst>
+                                        </p:cTn>
+                                        <p:tgtEl>
+                                          <p:spTgt spid="3">
+                                            <p:txEl>
+                                              <p:pRg st="0" end="0"/>
+                                            </p:txEl>
+                                          </p:spTgt>
+                                        </p:tgtEl>
+                                        <p:attrNameLst>
+                                          <p:attrName>style.visibility</p:attrName>
+                                        </p:attrNameLst>
+                                      </p:cBhvr>
+                                      <p:to>
+                                        <p:strVal val="visible"/>
+                                      </p:to>
+                                    </p:set>
+                                    <p:animEffect transition="in" filter="barn(inVertical)">
+                                      <p:cBhvr>
+                                        <p:cTn id="12" dur="500"/>
+                                        <p:tgtEl>
+                                          <p:spTgt spid="3">
+                                            <p:txEl>
+                                              <p:pRg st="0" end="0"/>
+                                            </p:txEl>
+                                          </p:spTgt>
+                                        </p:tgtEl>
+                                      </p:cBhvr>
+                                    </p:animEffect>
+                                  </p:childTnLst>
+                                </p:cTn>
+                              </p:par>
+                              <p:par>
+                                <p:cTn id="13" presetID="16" presetClass="entr" presetSubtype="21" fill="hold" grpId="0" nodeType="withEffect">
+                                  <p:stCondLst>
+                                    <p:cond delay="0"/>
+                                  </p:stCondLst>
+                                  <p:childTnLst>
+                                    <p:set>
+                                      <p:cBhvr>
+                                        <p:cTn id="14" dur="1" fill="hold">
+                                          <p:stCondLst>
+                                            <p:cond delay="0"/>
+                                          </p:stCondLst>
+                                        </p:cTn>
+                                        <p:tgtEl>
+                                          <p:spTgt spid="3">
+                                            <p:txEl>
+                                              <p:pRg st="1" end="1"/>
+                                            </p:txEl>
+                                          </p:spTgt>
+                                        </p:tgtEl>
+                                        <p:attrNameLst>
+                                          <p:attrName>style.visibility</p:attrName>
+                                        </p:attrNameLst>
+                                      </p:cBhvr>
+                                      <p:to>
+                                        <p:strVal val="visible"/>
+                                      </p:to>
+                                    </p:set>
+                                    <p:animEffect transition="in" filter="barn(inVertical)">
+                                      <p:cBhvr>
+                                        <p:cTn id="15" dur="500"/>
+                                        <p:tgtEl>
+                                          <p:spTgt spid="3">
+                                            <p:txEl>
+                                              <p:pRg st="1" end="1"/>
+                                            </p:txEl>
+                                          </p:spTgt>
+                                        </p:tgtEl>
+                                      </p:cBhvr>
+                                    </p:animEffect>
+                                  </p:childTnLst>
+                                </p:cTn>
+                              </p:par>
+                              <p:par>
+                                <p:cTn id="16" presetID="16" presetClass="entr" presetSubtype="21" fill="hold" grpId="0" nodeType="withEffect">
+                                  <p:stCondLst>
+                                    <p:cond delay="0"/>
+                                  </p:stCondLst>
+                                  <p:childTnLst>
+                                    <p:set>
+                                      <p:cBhvr>
+                                        <p:cTn id="17" dur="1" fill="hold">
+                                          <p:stCondLst>
+                                            <p:cond delay="0"/>
+                                          </p:stCondLst>
+                                        </p:cTn>
+                                        <p:tgtEl>
+                                          <p:spTgt spid="3">
+                                            <p:txEl>
+                                              <p:pRg st="2" end="2"/>
+                                            </p:txEl>
+                                          </p:spTgt>
+                                        </p:tgtEl>
+                                        <p:attrNameLst>
+                                          <p:attrName>style.visibility</p:attrName>
+                                        </p:attrNameLst>
+                                      </p:cBhvr>
+                                      <p:to>
+                                        <p:strVal val="visible"/>
+                                      </p:to>
+                                    </p:set>
+                                    <p:animEffect transition="in" filter="barn(inVertical)">
+                                      <p:cBhvr>
+                                        <p:cTn id="18" dur="500"/>
+                                        <p:tgtEl>
+                                          <p:spTgt spid="3">
+                                            <p:txEl>
+                                              <p:pRg st="2" end="2"/>
+                                            </p:txEl>
+                                          </p:spTgt>
+                                        </p:tgtEl>
+                                      </p:cBhvr>
+                                    </p:animEffect>
+                                  </p:childTnLst>
+                                </p:cTn>
+                              </p:par>
+                            </p:childTnLst>
+                          </p:cTn>
+                        </p:par>
+                      </p:childTnLst>
+                    </p:cTn>
+                  </p:par>
+                </p:childTnLst>
+              </p:cTn>
+              <p:prevCondLst>
+                <p:cond evt="onPrev" delay="0">
+                  <p:tgtEl>
+                    <p:sldTgt/>
+                  </p:tgtEl>
+                </p:cond>
+              </p:prevCondLst>
+              <p:nextCondLst>
+                <p:cond evt="onNext" delay="0">
+                  <p:tgtEl>
+                    <p:sldTgt/>
+                  </p:tgtEl>
+                </p:cond>
+              </p:nextCondLst>
+            </p:seq>
+          </p:childTnLst>
+        </p:cTn>
+      </p:par>
+    </p:tnLst>
+    <p:bldLst>
+      <p:bldP spid="2" grpId="0"/>
+      <p:bldP spid="3" grpId="0" build="p"/>
+    </p:bldLst>
+  </p:timing>
 </p:sld>
 </file>
 
@@ -5693,6 +7010,401 @@
   <p:clrMapOvr>
     <a:masterClrMapping/>
   </p:clrMapOvr>
+  <p:transition spd="slow">
+    <p:wipe/>
+  </p:transition>
+  <p:timing>
+    <p:tnLst>
+      <p:par>
+        <p:cTn id="1" dur="indefinite" restart="never" nodeType="tmRoot">
+          <p:childTnLst>
+            <p:seq concurrent="1" nextAc="seek">
+              <p:cTn id="2" dur="indefinite" nodeType="mainSeq">
+                <p:childTnLst>
+                  <p:par>
+                    <p:cTn id="3" fill="hold">
+                      <p:stCondLst>
+                        <p:cond delay="indefinite"/>
+                      </p:stCondLst>
+                      <p:childTnLst>
+                        <p:par>
+                          <p:cTn id="4" fill="hold">
+                            <p:stCondLst>
+                              <p:cond delay="0"/>
+                            </p:stCondLst>
+                            <p:childTnLst>
+                              <p:par>
+                                <p:cTn id="5" presetID="16" presetClass="entr" presetSubtype="21" fill="hold" grpId="0" nodeType="clickEffect">
+                                  <p:stCondLst>
+                                    <p:cond delay="0"/>
+                                  </p:stCondLst>
+                                  <p:childTnLst>
+                                    <p:set>
+                                      <p:cBhvr>
+                                        <p:cTn id="6" dur="1" fill="hold">
+                                          <p:stCondLst>
+                                            <p:cond delay="0"/>
+                                          </p:stCondLst>
+                                        </p:cTn>
+                                        <p:tgtEl>
+                                          <p:spTgt spid="2"/>
+                                        </p:tgtEl>
+                                        <p:attrNameLst>
+                                          <p:attrName>style.visibility</p:attrName>
+                                        </p:attrNameLst>
+                                      </p:cBhvr>
+                                      <p:to>
+                                        <p:strVal val="visible"/>
+                                      </p:to>
+                                    </p:set>
+                                    <p:animEffect transition="in" filter="barn(inVertical)">
+                                      <p:cBhvr>
+                                        <p:cTn id="7" dur="500"/>
+                                        <p:tgtEl>
+                                          <p:spTgt spid="2"/>
+                                        </p:tgtEl>
+                                      </p:cBhvr>
+                                    </p:animEffect>
+                                  </p:childTnLst>
+                                </p:cTn>
+                              </p:par>
+                            </p:childTnLst>
+                          </p:cTn>
+                        </p:par>
+                      </p:childTnLst>
+                    </p:cTn>
+                  </p:par>
+                  <p:par>
+                    <p:cTn id="8" fill="hold">
+                      <p:stCondLst>
+                        <p:cond delay="indefinite"/>
+                      </p:stCondLst>
+                      <p:childTnLst>
+                        <p:par>
+                          <p:cTn id="9" fill="hold">
+                            <p:stCondLst>
+                              <p:cond delay="0"/>
+                            </p:stCondLst>
+                            <p:childTnLst>
+                              <p:par>
+                                <p:cTn id="10" presetID="22" presetClass="entr" presetSubtype="4" fill="hold" grpId="0" nodeType="clickEffect">
+                                  <p:stCondLst>
+                                    <p:cond delay="0"/>
+                                  </p:stCondLst>
+                                  <p:childTnLst>
+                                    <p:set>
+                                      <p:cBhvr>
+                                        <p:cTn id="11" dur="1" fill="hold">
+                                          <p:stCondLst>
+                                            <p:cond delay="0"/>
+                                          </p:stCondLst>
+                                        </p:cTn>
+                                        <p:tgtEl>
+                                          <p:spTgt spid="3">
+                                            <p:txEl>
+                                              <p:pRg st="0" end="0"/>
+                                            </p:txEl>
+                                          </p:spTgt>
+                                        </p:tgtEl>
+                                        <p:attrNameLst>
+                                          <p:attrName>style.visibility</p:attrName>
+                                        </p:attrNameLst>
+                                      </p:cBhvr>
+                                      <p:to>
+                                        <p:strVal val="visible"/>
+                                      </p:to>
+                                    </p:set>
+                                    <p:animEffect transition="in" filter="wipe(down)">
+                                      <p:cBhvr>
+                                        <p:cTn id="12" dur="500"/>
+                                        <p:tgtEl>
+                                          <p:spTgt spid="3">
+                                            <p:txEl>
+                                              <p:pRg st="0" end="0"/>
+                                            </p:txEl>
+                                          </p:spTgt>
+                                        </p:tgtEl>
+                                      </p:cBhvr>
+                                    </p:animEffect>
+                                  </p:childTnLst>
+                                </p:cTn>
+                              </p:par>
+                            </p:childTnLst>
+                          </p:cTn>
+                        </p:par>
+                      </p:childTnLst>
+                    </p:cTn>
+                  </p:par>
+                  <p:par>
+                    <p:cTn id="13" fill="hold">
+                      <p:stCondLst>
+                        <p:cond delay="indefinite"/>
+                      </p:stCondLst>
+                      <p:childTnLst>
+                        <p:par>
+                          <p:cTn id="14" fill="hold">
+                            <p:stCondLst>
+                              <p:cond delay="0"/>
+                            </p:stCondLst>
+                            <p:childTnLst>
+                              <p:par>
+                                <p:cTn id="15" presetID="22" presetClass="entr" presetSubtype="4" fill="hold" grpId="0" nodeType="clickEffect">
+                                  <p:stCondLst>
+                                    <p:cond delay="0"/>
+                                  </p:stCondLst>
+                                  <p:childTnLst>
+                                    <p:set>
+                                      <p:cBhvr>
+                                        <p:cTn id="16" dur="1" fill="hold">
+                                          <p:stCondLst>
+                                            <p:cond delay="0"/>
+                                          </p:stCondLst>
+                                        </p:cTn>
+                                        <p:tgtEl>
+                                          <p:spTgt spid="3">
+                                            <p:txEl>
+                                              <p:pRg st="2" end="2"/>
+                                            </p:txEl>
+                                          </p:spTgt>
+                                        </p:tgtEl>
+                                        <p:attrNameLst>
+                                          <p:attrName>style.visibility</p:attrName>
+                                        </p:attrNameLst>
+                                      </p:cBhvr>
+                                      <p:to>
+                                        <p:strVal val="visible"/>
+                                      </p:to>
+                                    </p:set>
+                                    <p:animEffect transition="in" filter="wipe(down)">
+                                      <p:cBhvr>
+                                        <p:cTn id="17" dur="500"/>
+                                        <p:tgtEl>
+                                          <p:spTgt spid="3">
+                                            <p:txEl>
+                                              <p:pRg st="2" end="2"/>
+                                            </p:txEl>
+                                          </p:spTgt>
+                                        </p:tgtEl>
+                                      </p:cBhvr>
+                                    </p:animEffect>
+                                  </p:childTnLst>
+                                </p:cTn>
+                              </p:par>
+                            </p:childTnLst>
+                          </p:cTn>
+                        </p:par>
+                      </p:childTnLst>
+                    </p:cTn>
+                  </p:par>
+                  <p:par>
+                    <p:cTn id="18" fill="hold">
+                      <p:stCondLst>
+                        <p:cond delay="indefinite"/>
+                      </p:stCondLst>
+                      <p:childTnLst>
+                        <p:par>
+                          <p:cTn id="19" fill="hold">
+                            <p:stCondLst>
+                              <p:cond delay="0"/>
+                            </p:stCondLst>
+                            <p:childTnLst>
+                              <p:par>
+                                <p:cTn id="20" presetID="22" presetClass="entr" presetSubtype="4" fill="hold" grpId="0" nodeType="clickEffect">
+                                  <p:stCondLst>
+                                    <p:cond delay="0"/>
+                                  </p:stCondLst>
+                                  <p:childTnLst>
+                                    <p:set>
+                                      <p:cBhvr>
+                                        <p:cTn id="21" dur="1" fill="hold">
+                                          <p:stCondLst>
+                                            <p:cond delay="0"/>
+                                          </p:stCondLst>
+                                        </p:cTn>
+                                        <p:tgtEl>
+                                          <p:spTgt spid="3">
+                                            <p:txEl>
+                                              <p:pRg st="3" end="3"/>
+                                            </p:txEl>
+                                          </p:spTgt>
+                                        </p:tgtEl>
+                                        <p:attrNameLst>
+                                          <p:attrName>style.visibility</p:attrName>
+                                        </p:attrNameLst>
+                                      </p:cBhvr>
+                                      <p:to>
+                                        <p:strVal val="visible"/>
+                                      </p:to>
+                                    </p:set>
+                                    <p:animEffect transition="in" filter="wipe(down)">
+                                      <p:cBhvr>
+                                        <p:cTn id="22" dur="500"/>
+                                        <p:tgtEl>
+                                          <p:spTgt spid="3">
+                                            <p:txEl>
+                                              <p:pRg st="3" end="3"/>
+                                            </p:txEl>
+                                          </p:spTgt>
+                                        </p:tgtEl>
+                                      </p:cBhvr>
+                                    </p:animEffect>
+                                  </p:childTnLst>
+                                </p:cTn>
+                              </p:par>
+                            </p:childTnLst>
+                          </p:cTn>
+                        </p:par>
+                      </p:childTnLst>
+                    </p:cTn>
+                  </p:par>
+                  <p:par>
+                    <p:cTn id="23" fill="hold">
+                      <p:stCondLst>
+                        <p:cond delay="indefinite"/>
+                      </p:stCondLst>
+                      <p:childTnLst>
+                        <p:par>
+                          <p:cTn id="24" fill="hold">
+                            <p:stCondLst>
+                              <p:cond delay="0"/>
+                            </p:stCondLst>
+                            <p:childTnLst>
+                              <p:par>
+                                <p:cTn id="25" presetID="22" presetClass="entr" presetSubtype="4" fill="hold" grpId="0" nodeType="clickEffect">
+                                  <p:stCondLst>
+                                    <p:cond delay="0"/>
+                                  </p:stCondLst>
+                                  <p:childTnLst>
+                                    <p:set>
+                                      <p:cBhvr>
+                                        <p:cTn id="26" dur="1" fill="hold">
+                                          <p:stCondLst>
+                                            <p:cond delay="0"/>
+                                          </p:stCondLst>
+                                        </p:cTn>
+                                        <p:tgtEl>
+                                          <p:spTgt spid="3">
+                                            <p:txEl>
+                                              <p:pRg st="4" end="4"/>
+                                            </p:txEl>
+                                          </p:spTgt>
+                                        </p:tgtEl>
+                                        <p:attrNameLst>
+                                          <p:attrName>style.visibility</p:attrName>
+                                        </p:attrNameLst>
+                                      </p:cBhvr>
+                                      <p:to>
+                                        <p:strVal val="visible"/>
+                                      </p:to>
+                                    </p:set>
+                                    <p:animEffect transition="in" filter="wipe(down)">
+                                      <p:cBhvr>
+                                        <p:cTn id="27" dur="500"/>
+                                        <p:tgtEl>
+                                          <p:spTgt spid="3">
+                                            <p:txEl>
+                                              <p:pRg st="4" end="4"/>
+                                            </p:txEl>
+                                          </p:spTgt>
+                                        </p:tgtEl>
+                                      </p:cBhvr>
+                                    </p:animEffect>
+                                  </p:childTnLst>
+                                </p:cTn>
+                              </p:par>
+                            </p:childTnLst>
+                          </p:cTn>
+                        </p:par>
+                      </p:childTnLst>
+                    </p:cTn>
+                  </p:par>
+                  <p:par>
+                    <p:cTn id="28" fill="hold">
+                      <p:stCondLst>
+                        <p:cond delay="indefinite"/>
+                      </p:stCondLst>
+                      <p:childTnLst>
+                        <p:par>
+                          <p:cTn id="29" fill="hold">
+                            <p:stCondLst>
+                              <p:cond delay="0"/>
+                            </p:stCondLst>
+                            <p:childTnLst>
+                              <p:par>
+                                <p:cTn id="30" presetID="22" presetClass="entr" presetSubtype="4" fill="hold" grpId="0" nodeType="clickEffect">
+                                  <p:stCondLst>
+                                    <p:cond delay="0"/>
+                                  </p:stCondLst>
+                                  <p:childTnLst>
+                                    <p:set>
+                                      <p:cBhvr>
+                                        <p:cTn id="31" dur="1" fill="hold">
+                                          <p:stCondLst>
+                                            <p:cond delay="0"/>
+                                          </p:stCondLst>
+                                        </p:cTn>
+                                        <p:tgtEl>
+                                          <p:spTgt spid="3">
+                                            <p:txEl>
+                                              <p:pRg st="5" end="5"/>
+                                            </p:txEl>
+                                          </p:spTgt>
+                                        </p:tgtEl>
+                                        <p:attrNameLst>
+                                          <p:attrName>style.visibility</p:attrName>
+                                        </p:attrNameLst>
+                                      </p:cBhvr>
+                                      <p:to>
+                                        <p:strVal val="visible"/>
+                                      </p:to>
+                                    </p:set>
+                                    <p:animEffect transition="in" filter="wipe(down)">
+                                      <p:cBhvr>
+                                        <p:cTn id="32" dur="500"/>
+                                        <p:tgtEl>
+                                          <p:spTgt spid="3">
+                                            <p:txEl>
+                                              <p:pRg st="5" end="5"/>
+                                            </p:txEl>
+                                          </p:spTgt>
+                                        </p:tgtEl>
+                                      </p:cBhvr>
+                                    </p:animEffect>
+                                  </p:childTnLst>
+                                </p:cTn>
+                              </p:par>
+                            </p:childTnLst>
+                          </p:cTn>
+                        </p:par>
+                      </p:childTnLst>
+                    </p:cTn>
+                  </p:par>
+                </p:childTnLst>
+              </p:cTn>
+              <p:prevCondLst>
+                <p:cond evt="onPrev" delay="0">
+                  <p:tgtEl>
+                    <p:sldTgt/>
+                  </p:tgtEl>
+                </p:cond>
+              </p:prevCondLst>
+              <p:nextCondLst>
+                <p:cond evt="onNext" delay="0">
+                  <p:tgtEl>
+                    <p:sldTgt/>
+                  </p:tgtEl>
+                </p:cond>
+              </p:nextCondLst>
+            </p:seq>
+          </p:childTnLst>
+        </p:cTn>
+      </p:par>
+    </p:tnLst>
+    <p:bldLst>
+      <p:bldP spid="2" grpId="0"/>
+      <p:bldP spid="3" grpId="0" build="p"/>
+    </p:bldLst>
+  </p:timing>
 </p:sld>
 </file>
 
@@ -5871,6 +7583,645 @@
   <p:clrMapOvr>
     <a:masterClrMapping/>
   </p:clrMapOvr>
+  <p:transition spd="slow">
+    <p:wipe/>
+  </p:transition>
+  <p:timing>
+    <p:tnLst>
+      <p:par>
+        <p:cTn id="1" dur="indefinite" restart="never" nodeType="tmRoot">
+          <p:childTnLst>
+            <p:seq concurrent="1" nextAc="seek">
+              <p:cTn id="2" dur="indefinite" nodeType="mainSeq">
+                <p:childTnLst>
+                  <p:par>
+                    <p:cTn id="3" fill="hold">
+                      <p:stCondLst>
+                        <p:cond delay="indefinite"/>
+                      </p:stCondLst>
+                      <p:childTnLst>
+                        <p:par>
+                          <p:cTn id="4" fill="hold">
+                            <p:stCondLst>
+                              <p:cond delay="0"/>
+                            </p:stCondLst>
+                            <p:childTnLst>
+                              <p:par>
+                                <p:cTn id="5" presetID="16" presetClass="entr" presetSubtype="21" fill="hold" grpId="0" nodeType="clickEffect">
+                                  <p:stCondLst>
+                                    <p:cond delay="0"/>
+                                  </p:stCondLst>
+                                  <p:childTnLst>
+                                    <p:set>
+                                      <p:cBhvr>
+                                        <p:cTn id="6" dur="1" fill="hold">
+                                          <p:stCondLst>
+                                            <p:cond delay="0"/>
+                                          </p:stCondLst>
+                                        </p:cTn>
+                                        <p:tgtEl>
+                                          <p:spTgt spid="2"/>
+                                        </p:tgtEl>
+                                        <p:attrNameLst>
+                                          <p:attrName>style.visibility</p:attrName>
+                                        </p:attrNameLst>
+                                      </p:cBhvr>
+                                      <p:to>
+                                        <p:strVal val="visible"/>
+                                      </p:to>
+                                    </p:set>
+                                    <p:animEffect transition="in" filter="barn(inVertical)">
+                                      <p:cBhvr>
+                                        <p:cTn id="7" dur="500"/>
+                                        <p:tgtEl>
+                                          <p:spTgt spid="2"/>
+                                        </p:tgtEl>
+                                      </p:cBhvr>
+                                    </p:animEffect>
+                                  </p:childTnLst>
+                                </p:cTn>
+                              </p:par>
+                            </p:childTnLst>
+                          </p:cTn>
+                        </p:par>
+                      </p:childTnLst>
+                    </p:cTn>
+                  </p:par>
+                  <p:par>
+                    <p:cTn id="8" fill="hold">
+                      <p:stCondLst>
+                        <p:cond delay="indefinite"/>
+                      </p:stCondLst>
+                      <p:childTnLst>
+                        <p:par>
+                          <p:cTn id="9" fill="hold">
+                            <p:stCondLst>
+                              <p:cond delay="0"/>
+                            </p:stCondLst>
+                            <p:childTnLst>
+                              <p:par>
+                                <p:cTn id="10" presetID="22" presetClass="entr" presetSubtype="4" fill="hold" grpId="0" nodeType="clickEffect">
+                                  <p:stCondLst>
+                                    <p:cond delay="0"/>
+                                  </p:stCondLst>
+                                  <p:childTnLst>
+                                    <p:set>
+                                      <p:cBhvr>
+                                        <p:cTn id="11" dur="1" fill="hold">
+                                          <p:stCondLst>
+                                            <p:cond delay="0"/>
+                                          </p:stCondLst>
+                                        </p:cTn>
+                                        <p:tgtEl>
+                                          <p:spTgt spid="3">
+                                            <p:txEl>
+                                              <p:pRg st="0" end="0"/>
+                                            </p:txEl>
+                                          </p:spTgt>
+                                        </p:tgtEl>
+                                        <p:attrNameLst>
+                                          <p:attrName>style.visibility</p:attrName>
+                                        </p:attrNameLst>
+                                      </p:cBhvr>
+                                      <p:to>
+                                        <p:strVal val="visible"/>
+                                      </p:to>
+                                    </p:set>
+                                    <p:animEffect transition="in" filter="wipe(down)">
+                                      <p:cBhvr>
+                                        <p:cTn id="12" dur="500"/>
+                                        <p:tgtEl>
+                                          <p:spTgt spid="3">
+                                            <p:txEl>
+                                              <p:pRg st="0" end="0"/>
+                                            </p:txEl>
+                                          </p:spTgt>
+                                        </p:tgtEl>
+                                      </p:cBhvr>
+                                    </p:animEffect>
+                                  </p:childTnLst>
+                                </p:cTn>
+                              </p:par>
+                            </p:childTnLst>
+                          </p:cTn>
+                        </p:par>
+                      </p:childTnLst>
+                    </p:cTn>
+                  </p:par>
+                  <p:par>
+                    <p:cTn id="13" fill="hold">
+                      <p:stCondLst>
+                        <p:cond delay="indefinite"/>
+                      </p:stCondLst>
+                      <p:childTnLst>
+                        <p:par>
+                          <p:cTn id="14" fill="hold">
+                            <p:stCondLst>
+                              <p:cond delay="0"/>
+                            </p:stCondLst>
+                            <p:childTnLst>
+                              <p:par>
+                                <p:cTn id="15" presetID="22" presetClass="entr" presetSubtype="4" fill="hold" grpId="0" nodeType="clickEffect">
+                                  <p:stCondLst>
+                                    <p:cond delay="0"/>
+                                  </p:stCondLst>
+                                  <p:childTnLst>
+                                    <p:set>
+                                      <p:cBhvr>
+                                        <p:cTn id="16" dur="1" fill="hold">
+                                          <p:stCondLst>
+                                            <p:cond delay="0"/>
+                                          </p:stCondLst>
+                                        </p:cTn>
+                                        <p:tgtEl>
+                                          <p:spTgt spid="3">
+                                            <p:txEl>
+                                              <p:pRg st="1" end="1"/>
+                                            </p:txEl>
+                                          </p:spTgt>
+                                        </p:tgtEl>
+                                        <p:attrNameLst>
+                                          <p:attrName>style.visibility</p:attrName>
+                                        </p:attrNameLst>
+                                      </p:cBhvr>
+                                      <p:to>
+                                        <p:strVal val="visible"/>
+                                      </p:to>
+                                    </p:set>
+                                    <p:animEffect transition="in" filter="wipe(down)">
+                                      <p:cBhvr>
+                                        <p:cTn id="17" dur="500"/>
+                                        <p:tgtEl>
+                                          <p:spTgt spid="3">
+                                            <p:txEl>
+                                              <p:pRg st="1" end="1"/>
+                                            </p:txEl>
+                                          </p:spTgt>
+                                        </p:tgtEl>
+                                      </p:cBhvr>
+                                    </p:animEffect>
+                                  </p:childTnLst>
+                                </p:cTn>
+                              </p:par>
+                            </p:childTnLst>
+                          </p:cTn>
+                        </p:par>
+                      </p:childTnLst>
+                    </p:cTn>
+                  </p:par>
+                  <p:par>
+                    <p:cTn id="18" fill="hold">
+                      <p:stCondLst>
+                        <p:cond delay="indefinite"/>
+                      </p:stCondLst>
+                      <p:childTnLst>
+                        <p:par>
+                          <p:cTn id="19" fill="hold">
+                            <p:stCondLst>
+                              <p:cond delay="0"/>
+                            </p:stCondLst>
+                            <p:childTnLst>
+                              <p:par>
+                                <p:cTn id="20" presetID="22" presetClass="entr" presetSubtype="4" fill="hold" grpId="0" nodeType="clickEffect">
+                                  <p:stCondLst>
+                                    <p:cond delay="0"/>
+                                  </p:stCondLst>
+                                  <p:childTnLst>
+                                    <p:set>
+                                      <p:cBhvr>
+                                        <p:cTn id="21" dur="1" fill="hold">
+                                          <p:stCondLst>
+                                            <p:cond delay="0"/>
+                                          </p:stCondLst>
+                                        </p:cTn>
+                                        <p:tgtEl>
+                                          <p:spTgt spid="3">
+                                            <p:txEl>
+                                              <p:pRg st="2" end="2"/>
+                                            </p:txEl>
+                                          </p:spTgt>
+                                        </p:tgtEl>
+                                        <p:attrNameLst>
+                                          <p:attrName>style.visibility</p:attrName>
+                                        </p:attrNameLst>
+                                      </p:cBhvr>
+                                      <p:to>
+                                        <p:strVal val="visible"/>
+                                      </p:to>
+                                    </p:set>
+                                    <p:animEffect transition="in" filter="wipe(down)">
+                                      <p:cBhvr>
+                                        <p:cTn id="22" dur="500"/>
+                                        <p:tgtEl>
+                                          <p:spTgt spid="3">
+                                            <p:txEl>
+                                              <p:pRg st="2" end="2"/>
+                                            </p:txEl>
+                                          </p:spTgt>
+                                        </p:tgtEl>
+                                      </p:cBhvr>
+                                    </p:animEffect>
+                                  </p:childTnLst>
+                                </p:cTn>
+                              </p:par>
+                            </p:childTnLst>
+                          </p:cTn>
+                        </p:par>
+                      </p:childTnLst>
+                    </p:cTn>
+                  </p:par>
+                  <p:par>
+                    <p:cTn id="23" fill="hold">
+                      <p:stCondLst>
+                        <p:cond delay="indefinite"/>
+                      </p:stCondLst>
+                      <p:childTnLst>
+                        <p:par>
+                          <p:cTn id="24" fill="hold">
+                            <p:stCondLst>
+                              <p:cond delay="0"/>
+                            </p:stCondLst>
+                            <p:childTnLst>
+                              <p:par>
+                                <p:cTn id="25" presetID="22" presetClass="entr" presetSubtype="4" fill="hold" grpId="0" nodeType="clickEffect">
+                                  <p:stCondLst>
+                                    <p:cond delay="0"/>
+                                  </p:stCondLst>
+                                  <p:childTnLst>
+                                    <p:set>
+                                      <p:cBhvr>
+                                        <p:cTn id="26" dur="1" fill="hold">
+                                          <p:stCondLst>
+                                            <p:cond delay="0"/>
+                                          </p:stCondLst>
+                                        </p:cTn>
+                                        <p:tgtEl>
+                                          <p:spTgt spid="3">
+                                            <p:txEl>
+                                              <p:pRg st="3" end="3"/>
+                                            </p:txEl>
+                                          </p:spTgt>
+                                        </p:tgtEl>
+                                        <p:attrNameLst>
+                                          <p:attrName>style.visibility</p:attrName>
+                                        </p:attrNameLst>
+                                      </p:cBhvr>
+                                      <p:to>
+                                        <p:strVal val="visible"/>
+                                      </p:to>
+                                    </p:set>
+                                    <p:animEffect transition="in" filter="wipe(down)">
+                                      <p:cBhvr>
+                                        <p:cTn id="27" dur="500"/>
+                                        <p:tgtEl>
+                                          <p:spTgt spid="3">
+                                            <p:txEl>
+                                              <p:pRg st="3" end="3"/>
+                                            </p:txEl>
+                                          </p:spTgt>
+                                        </p:tgtEl>
+                                      </p:cBhvr>
+                                    </p:animEffect>
+                                  </p:childTnLst>
+                                </p:cTn>
+                              </p:par>
+                            </p:childTnLst>
+                          </p:cTn>
+                        </p:par>
+                      </p:childTnLst>
+                    </p:cTn>
+                  </p:par>
+                  <p:par>
+                    <p:cTn id="28" fill="hold">
+                      <p:stCondLst>
+                        <p:cond delay="indefinite"/>
+                      </p:stCondLst>
+                      <p:childTnLst>
+                        <p:par>
+                          <p:cTn id="29" fill="hold">
+                            <p:stCondLst>
+                              <p:cond delay="0"/>
+                            </p:stCondLst>
+                            <p:childTnLst>
+                              <p:par>
+                                <p:cTn id="30" presetID="22" presetClass="entr" presetSubtype="4" fill="hold" grpId="0" nodeType="clickEffect">
+                                  <p:stCondLst>
+                                    <p:cond delay="0"/>
+                                  </p:stCondLst>
+                                  <p:childTnLst>
+                                    <p:set>
+                                      <p:cBhvr>
+                                        <p:cTn id="31" dur="1" fill="hold">
+                                          <p:stCondLst>
+                                            <p:cond delay="0"/>
+                                          </p:stCondLst>
+                                        </p:cTn>
+                                        <p:tgtEl>
+                                          <p:spTgt spid="3">
+                                            <p:txEl>
+                                              <p:pRg st="4" end="4"/>
+                                            </p:txEl>
+                                          </p:spTgt>
+                                        </p:tgtEl>
+                                        <p:attrNameLst>
+                                          <p:attrName>style.visibility</p:attrName>
+                                        </p:attrNameLst>
+                                      </p:cBhvr>
+                                      <p:to>
+                                        <p:strVal val="visible"/>
+                                      </p:to>
+                                    </p:set>
+                                    <p:animEffect transition="in" filter="wipe(down)">
+                                      <p:cBhvr>
+                                        <p:cTn id="32" dur="500"/>
+                                        <p:tgtEl>
+                                          <p:spTgt spid="3">
+                                            <p:txEl>
+                                              <p:pRg st="4" end="4"/>
+                                            </p:txEl>
+                                          </p:spTgt>
+                                        </p:tgtEl>
+                                      </p:cBhvr>
+                                    </p:animEffect>
+                                  </p:childTnLst>
+                                </p:cTn>
+                              </p:par>
+                            </p:childTnLst>
+                          </p:cTn>
+                        </p:par>
+                      </p:childTnLst>
+                    </p:cTn>
+                  </p:par>
+                  <p:par>
+                    <p:cTn id="33" fill="hold">
+                      <p:stCondLst>
+                        <p:cond delay="indefinite"/>
+                      </p:stCondLst>
+                      <p:childTnLst>
+                        <p:par>
+                          <p:cTn id="34" fill="hold">
+                            <p:stCondLst>
+                              <p:cond delay="0"/>
+                            </p:stCondLst>
+                            <p:childTnLst>
+                              <p:par>
+                                <p:cTn id="35" presetID="22" presetClass="entr" presetSubtype="4" fill="hold" grpId="0" nodeType="clickEffect">
+                                  <p:stCondLst>
+                                    <p:cond delay="0"/>
+                                  </p:stCondLst>
+                                  <p:childTnLst>
+                                    <p:set>
+                                      <p:cBhvr>
+                                        <p:cTn id="36" dur="1" fill="hold">
+                                          <p:stCondLst>
+                                            <p:cond delay="0"/>
+                                          </p:stCondLst>
+                                        </p:cTn>
+                                        <p:tgtEl>
+                                          <p:spTgt spid="3">
+                                            <p:txEl>
+                                              <p:pRg st="5" end="5"/>
+                                            </p:txEl>
+                                          </p:spTgt>
+                                        </p:tgtEl>
+                                        <p:attrNameLst>
+                                          <p:attrName>style.visibility</p:attrName>
+                                        </p:attrNameLst>
+                                      </p:cBhvr>
+                                      <p:to>
+                                        <p:strVal val="visible"/>
+                                      </p:to>
+                                    </p:set>
+                                    <p:animEffect transition="in" filter="wipe(down)">
+                                      <p:cBhvr>
+                                        <p:cTn id="37" dur="500"/>
+                                        <p:tgtEl>
+                                          <p:spTgt spid="3">
+                                            <p:txEl>
+                                              <p:pRg st="5" end="5"/>
+                                            </p:txEl>
+                                          </p:spTgt>
+                                        </p:tgtEl>
+                                      </p:cBhvr>
+                                    </p:animEffect>
+                                  </p:childTnLst>
+                                </p:cTn>
+                              </p:par>
+                            </p:childTnLst>
+                          </p:cTn>
+                        </p:par>
+                      </p:childTnLst>
+                    </p:cTn>
+                  </p:par>
+                  <p:par>
+                    <p:cTn id="38" fill="hold">
+                      <p:stCondLst>
+                        <p:cond delay="indefinite"/>
+                      </p:stCondLst>
+                      <p:childTnLst>
+                        <p:par>
+                          <p:cTn id="39" fill="hold">
+                            <p:stCondLst>
+                              <p:cond delay="0"/>
+                            </p:stCondLst>
+                            <p:childTnLst>
+                              <p:par>
+                                <p:cTn id="40" presetID="22" presetClass="entr" presetSubtype="4" fill="hold" grpId="0" nodeType="clickEffect">
+                                  <p:stCondLst>
+                                    <p:cond delay="0"/>
+                                  </p:stCondLst>
+                                  <p:childTnLst>
+                                    <p:set>
+                                      <p:cBhvr>
+                                        <p:cTn id="41" dur="1" fill="hold">
+                                          <p:stCondLst>
+                                            <p:cond delay="0"/>
+                                          </p:stCondLst>
+                                        </p:cTn>
+                                        <p:tgtEl>
+                                          <p:spTgt spid="3">
+                                            <p:txEl>
+                                              <p:pRg st="6" end="6"/>
+                                            </p:txEl>
+                                          </p:spTgt>
+                                        </p:tgtEl>
+                                        <p:attrNameLst>
+                                          <p:attrName>style.visibility</p:attrName>
+                                        </p:attrNameLst>
+                                      </p:cBhvr>
+                                      <p:to>
+                                        <p:strVal val="visible"/>
+                                      </p:to>
+                                    </p:set>
+                                    <p:animEffect transition="in" filter="wipe(down)">
+                                      <p:cBhvr>
+                                        <p:cTn id="42" dur="500"/>
+                                        <p:tgtEl>
+                                          <p:spTgt spid="3">
+                                            <p:txEl>
+                                              <p:pRg st="6" end="6"/>
+                                            </p:txEl>
+                                          </p:spTgt>
+                                        </p:tgtEl>
+                                      </p:cBhvr>
+                                    </p:animEffect>
+                                  </p:childTnLst>
+                                </p:cTn>
+                              </p:par>
+                            </p:childTnLst>
+                          </p:cTn>
+                        </p:par>
+                      </p:childTnLst>
+                    </p:cTn>
+                  </p:par>
+                  <p:par>
+                    <p:cTn id="43" fill="hold">
+                      <p:stCondLst>
+                        <p:cond delay="indefinite"/>
+                      </p:stCondLst>
+                      <p:childTnLst>
+                        <p:par>
+                          <p:cTn id="44" fill="hold">
+                            <p:stCondLst>
+                              <p:cond delay="0"/>
+                            </p:stCondLst>
+                            <p:childTnLst>
+                              <p:par>
+                                <p:cTn id="45" presetID="22" presetClass="entr" presetSubtype="4" fill="hold" grpId="0" nodeType="clickEffect">
+                                  <p:stCondLst>
+                                    <p:cond delay="0"/>
+                                  </p:stCondLst>
+                                  <p:childTnLst>
+                                    <p:set>
+                                      <p:cBhvr>
+                                        <p:cTn id="46" dur="1" fill="hold">
+                                          <p:stCondLst>
+                                            <p:cond delay="0"/>
+                                          </p:stCondLst>
+                                        </p:cTn>
+                                        <p:tgtEl>
+                                          <p:spTgt spid="3">
+                                            <p:txEl>
+                                              <p:pRg st="7" end="7"/>
+                                            </p:txEl>
+                                          </p:spTgt>
+                                        </p:tgtEl>
+                                        <p:attrNameLst>
+                                          <p:attrName>style.visibility</p:attrName>
+                                        </p:attrNameLst>
+                                      </p:cBhvr>
+                                      <p:to>
+                                        <p:strVal val="visible"/>
+                                      </p:to>
+                                    </p:set>
+                                    <p:animEffect transition="in" filter="wipe(down)">
+                                      <p:cBhvr>
+                                        <p:cTn id="47" dur="500"/>
+                                        <p:tgtEl>
+                                          <p:spTgt spid="3">
+                                            <p:txEl>
+                                              <p:pRg st="7" end="7"/>
+                                            </p:txEl>
+                                          </p:spTgt>
+                                        </p:tgtEl>
+                                      </p:cBhvr>
+                                    </p:animEffect>
+                                  </p:childTnLst>
+                                </p:cTn>
+                              </p:par>
+                            </p:childTnLst>
+                          </p:cTn>
+                        </p:par>
+                      </p:childTnLst>
+                    </p:cTn>
+                  </p:par>
+                  <p:par>
+                    <p:cTn id="48" fill="hold">
+                      <p:stCondLst>
+                        <p:cond delay="indefinite"/>
+                      </p:stCondLst>
+                      <p:childTnLst>
+                        <p:par>
+                          <p:cTn id="49" fill="hold">
+                            <p:stCondLst>
+                              <p:cond delay="0"/>
+                            </p:stCondLst>
+                            <p:childTnLst>
+                              <p:par>
+                                <p:cTn id="50" presetID="22" presetClass="entr" presetSubtype="4" fill="hold" grpId="0" nodeType="clickEffect">
+                                  <p:stCondLst>
+                                    <p:cond delay="0"/>
+                                  </p:stCondLst>
+                                  <p:childTnLst>
+                                    <p:set>
+                                      <p:cBhvr>
+                                        <p:cTn id="51" dur="1" fill="hold">
+                                          <p:stCondLst>
+                                            <p:cond delay="0"/>
+                                          </p:stCondLst>
+                                        </p:cTn>
+                                        <p:tgtEl>
+                                          <p:spTgt spid="3">
+                                            <p:txEl>
+                                              <p:pRg st="8" end="8"/>
+                                            </p:txEl>
+                                          </p:spTgt>
+                                        </p:tgtEl>
+                                        <p:attrNameLst>
+                                          <p:attrName>style.visibility</p:attrName>
+                                        </p:attrNameLst>
+                                      </p:cBhvr>
+                                      <p:to>
+                                        <p:strVal val="visible"/>
+                                      </p:to>
+                                    </p:set>
+                                    <p:animEffect transition="in" filter="wipe(down)">
+                                      <p:cBhvr>
+                                        <p:cTn id="52" dur="500"/>
+                                        <p:tgtEl>
+                                          <p:spTgt spid="3">
+                                            <p:txEl>
+                                              <p:pRg st="8" end="8"/>
+                                            </p:txEl>
+                                          </p:spTgt>
+                                        </p:tgtEl>
+                                      </p:cBhvr>
+                                    </p:animEffect>
+                                  </p:childTnLst>
+                                </p:cTn>
+                              </p:par>
+                            </p:childTnLst>
+                          </p:cTn>
+                        </p:par>
+                      </p:childTnLst>
+                    </p:cTn>
+                  </p:par>
+                </p:childTnLst>
+              </p:cTn>
+              <p:prevCondLst>
+                <p:cond evt="onPrev" delay="0">
+                  <p:tgtEl>
+                    <p:sldTgt/>
+                  </p:tgtEl>
+                </p:cond>
+              </p:prevCondLst>
+              <p:nextCondLst>
+                <p:cond evt="onNext" delay="0">
+                  <p:tgtEl>
+                    <p:sldTgt/>
+                  </p:tgtEl>
+                </p:cond>
+              </p:nextCondLst>
+            </p:seq>
+          </p:childTnLst>
+        </p:cTn>
+      </p:par>
+    </p:tnLst>
+    <p:bldLst>
+      <p:bldP spid="2" grpId="0"/>
+      <p:bldP spid="3" grpId="0" build="p"/>
+    </p:bldLst>
+  </p:timing>
 </p:sld>
 </file>
 
@@ -5925,13 +8276,13 @@
         </p:nvSpPr>
         <p:spPr>
           <a:xfrm>
-            <a:off x="628650" y="1395554"/>
+            <a:off x="628650" y="1308448"/>
             <a:ext cx="7886700" cy="5366987"/>
           </a:xfrm>
         </p:spPr>
         <p:txBody>
           <a:bodyPr>
-            <a:normAutofit fontScale="92500" lnSpcReduction="20000"/>
+            <a:normAutofit fontScale="85000" lnSpcReduction="20000"/>
           </a:bodyPr>
           <a:lstStyle/>
           <a:p>
@@ -5966,6 +8317,21 @@
           </a:p>
           <a:p>
             <a:pPr lvl="1"/>
+            <a:r>
+              <a:rPr lang="hr-HR" sz="2400" dirty="0" err="1"/>
+              <a:t>GitHub</a:t>
+            </a:r>
+            <a:r>
+              <a:rPr lang="hr-HR" sz="2400" dirty="0"/>
+              <a:t> wiki</a:t>
+            </a:r>
+          </a:p>
+          <a:p>
+            <a:pPr lvl="1"/>
+            <a:r>
+              <a:rPr lang="hr-HR" sz="2400" dirty="0" err="1"/>
+              <a:t>AstahUML</a:t>
+            </a:r>
             <a:endParaRPr lang="hr-HR" dirty="0"/>
           </a:p>
           <a:p>
@@ -6154,6 +8520,892 @@
   <p:clrMapOvr>
     <a:masterClrMapping/>
   </p:clrMapOvr>
+  <p:transition spd="slow">
+    <p:wipe/>
+  </p:transition>
+  <p:timing>
+    <p:tnLst>
+      <p:par>
+        <p:cTn id="1" dur="indefinite" restart="never" nodeType="tmRoot">
+          <p:childTnLst>
+            <p:seq concurrent="1" nextAc="seek">
+              <p:cTn id="2" dur="indefinite" nodeType="mainSeq">
+                <p:childTnLst>
+                  <p:par>
+                    <p:cTn id="3" fill="hold">
+                      <p:stCondLst>
+                        <p:cond delay="indefinite"/>
+                      </p:stCondLst>
+                      <p:childTnLst>
+                        <p:par>
+                          <p:cTn id="4" fill="hold">
+                            <p:stCondLst>
+                              <p:cond delay="0"/>
+                            </p:stCondLst>
+                            <p:childTnLst>
+                              <p:par>
+                                <p:cTn id="5" presetID="16" presetClass="entr" presetSubtype="21" fill="hold" grpId="0" nodeType="clickEffect">
+                                  <p:stCondLst>
+                                    <p:cond delay="0"/>
+                                  </p:stCondLst>
+                                  <p:childTnLst>
+                                    <p:set>
+                                      <p:cBhvr>
+                                        <p:cTn id="6" dur="1" fill="hold">
+                                          <p:stCondLst>
+                                            <p:cond delay="0"/>
+                                          </p:stCondLst>
+                                        </p:cTn>
+                                        <p:tgtEl>
+                                          <p:spTgt spid="2"/>
+                                        </p:tgtEl>
+                                        <p:attrNameLst>
+                                          <p:attrName>style.visibility</p:attrName>
+                                        </p:attrNameLst>
+                                      </p:cBhvr>
+                                      <p:to>
+                                        <p:strVal val="visible"/>
+                                      </p:to>
+                                    </p:set>
+                                    <p:animEffect transition="in" filter="barn(inVertical)">
+                                      <p:cBhvr>
+                                        <p:cTn id="7" dur="500"/>
+                                        <p:tgtEl>
+                                          <p:spTgt spid="2"/>
+                                        </p:tgtEl>
+                                      </p:cBhvr>
+                                    </p:animEffect>
+                                  </p:childTnLst>
+                                </p:cTn>
+                              </p:par>
+                            </p:childTnLst>
+                          </p:cTn>
+                        </p:par>
+                      </p:childTnLst>
+                    </p:cTn>
+                  </p:par>
+                  <p:par>
+                    <p:cTn id="8" fill="hold">
+                      <p:stCondLst>
+                        <p:cond delay="indefinite"/>
+                      </p:stCondLst>
+                      <p:childTnLst>
+                        <p:par>
+                          <p:cTn id="9" fill="hold">
+                            <p:stCondLst>
+                              <p:cond delay="0"/>
+                            </p:stCondLst>
+                            <p:childTnLst>
+                              <p:par>
+                                <p:cTn id="10" presetID="22" presetClass="entr" presetSubtype="4" fill="hold" grpId="0" nodeType="clickEffect">
+                                  <p:stCondLst>
+                                    <p:cond delay="0"/>
+                                  </p:stCondLst>
+                                  <p:childTnLst>
+                                    <p:set>
+                                      <p:cBhvr>
+                                        <p:cTn id="11" dur="1" fill="hold">
+                                          <p:stCondLst>
+                                            <p:cond delay="0"/>
+                                          </p:stCondLst>
+                                        </p:cTn>
+                                        <p:tgtEl>
+                                          <p:spTgt spid="3">
+                                            <p:txEl>
+                                              <p:pRg st="0" end="0"/>
+                                            </p:txEl>
+                                          </p:spTgt>
+                                        </p:tgtEl>
+                                        <p:attrNameLst>
+                                          <p:attrName>style.visibility</p:attrName>
+                                        </p:attrNameLst>
+                                      </p:cBhvr>
+                                      <p:to>
+                                        <p:strVal val="visible"/>
+                                      </p:to>
+                                    </p:set>
+                                    <p:animEffect transition="in" filter="wipe(down)">
+                                      <p:cBhvr>
+                                        <p:cTn id="12" dur="500"/>
+                                        <p:tgtEl>
+                                          <p:spTgt spid="3">
+                                            <p:txEl>
+                                              <p:pRg st="0" end="0"/>
+                                            </p:txEl>
+                                          </p:spTgt>
+                                        </p:tgtEl>
+                                      </p:cBhvr>
+                                    </p:animEffect>
+                                  </p:childTnLst>
+                                </p:cTn>
+                              </p:par>
+                              <p:par>
+                                <p:cTn id="13" presetID="22" presetClass="entr" presetSubtype="4" fill="hold" grpId="0" nodeType="withEffect">
+                                  <p:stCondLst>
+                                    <p:cond delay="0"/>
+                                  </p:stCondLst>
+                                  <p:childTnLst>
+                                    <p:set>
+                                      <p:cBhvr>
+                                        <p:cTn id="14" dur="1" fill="hold">
+                                          <p:stCondLst>
+                                            <p:cond delay="0"/>
+                                          </p:stCondLst>
+                                        </p:cTn>
+                                        <p:tgtEl>
+                                          <p:spTgt spid="3">
+                                            <p:txEl>
+                                              <p:pRg st="1" end="1"/>
+                                            </p:txEl>
+                                          </p:spTgt>
+                                        </p:tgtEl>
+                                        <p:attrNameLst>
+                                          <p:attrName>style.visibility</p:attrName>
+                                        </p:attrNameLst>
+                                      </p:cBhvr>
+                                      <p:to>
+                                        <p:strVal val="visible"/>
+                                      </p:to>
+                                    </p:set>
+                                    <p:animEffect transition="in" filter="wipe(down)">
+                                      <p:cBhvr>
+                                        <p:cTn id="15" dur="500"/>
+                                        <p:tgtEl>
+                                          <p:spTgt spid="3">
+                                            <p:txEl>
+                                              <p:pRg st="1" end="1"/>
+                                            </p:txEl>
+                                          </p:spTgt>
+                                        </p:tgtEl>
+                                      </p:cBhvr>
+                                    </p:animEffect>
+                                  </p:childTnLst>
+                                </p:cTn>
+                              </p:par>
+                              <p:par>
+                                <p:cTn id="16" presetID="22" presetClass="entr" presetSubtype="4" fill="hold" grpId="0" nodeType="withEffect">
+                                  <p:stCondLst>
+                                    <p:cond delay="0"/>
+                                  </p:stCondLst>
+                                  <p:childTnLst>
+                                    <p:set>
+                                      <p:cBhvr>
+                                        <p:cTn id="17" dur="1" fill="hold">
+                                          <p:stCondLst>
+                                            <p:cond delay="0"/>
+                                          </p:stCondLst>
+                                        </p:cTn>
+                                        <p:tgtEl>
+                                          <p:spTgt spid="3">
+                                            <p:txEl>
+                                              <p:pRg st="2" end="2"/>
+                                            </p:txEl>
+                                          </p:spTgt>
+                                        </p:tgtEl>
+                                        <p:attrNameLst>
+                                          <p:attrName>style.visibility</p:attrName>
+                                        </p:attrNameLst>
+                                      </p:cBhvr>
+                                      <p:to>
+                                        <p:strVal val="visible"/>
+                                      </p:to>
+                                    </p:set>
+                                    <p:animEffect transition="in" filter="wipe(down)">
+                                      <p:cBhvr>
+                                        <p:cTn id="18" dur="500"/>
+                                        <p:tgtEl>
+                                          <p:spTgt spid="3">
+                                            <p:txEl>
+                                              <p:pRg st="2" end="2"/>
+                                            </p:txEl>
+                                          </p:spTgt>
+                                        </p:tgtEl>
+                                      </p:cBhvr>
+                                    </p:animEffect>
+                                  </p:childTnLst>
+                                </p:cTn>
+                              </p:par>
+                            </p:childTnLst>
+                          </p:cTn>
+                        </p:par>
+                      </p:childTnLst>
+                    </p:cTn>
+                  </p:par>
+                  <p:par>
+                    <p:cTn id="19" fill="hold">
+                      <p:stCondLst>
+                        <p:cond delay="indefinite"/>
+                      </p:stCondLst>
+                      <p:childTnLst>
+                        <p:par>
+                          <p:cTn id="20" fill="hold">
+                            <p:stCondLst>
+                              <p:cond delay="0"/>
+                            </p:stCondLst>
+                            <p:childTnLst>
+                              <p:par>
+                                <p:cTn id="21" presetID="22" presetClass="entr" presetSubtype="4" fill="hold" grpId="0" nodeType="clickEffect">
+                                  <p:stCondLst>
+                                    <p:cond delay="0"/>
+                                  </p:stCondLst>
+                                  <p:childTnLst>
+                                    <p:set>
+                                      <p:cBhvr>
+                                        <p:cTn id="22" dur="1" fill="hold">
+                                          <p:stCondLst>
+                                            <p:cond delay="0"/>
+                                          </p:stCondLst>
+                                        </p:cTn>
+                                        <p:tgtEl>
+                                          <p:spTgt spid="3">
+                                            <p:txEl>
+                                              <p:pRg st="3" end="3"/>
+                                            </p:txEl>
+                                          </p:spTgt>
+                                        </p:tgtEl>
+                                        <p:attrNameLst>
+                                          <p:attrName>style.visibility</p:attrName>
+                                        </p:attrNameLst>
+                                      </p:cBhvr>
+                                      <p:to>
+                                        <p:strVal val="visible"/>
+                                      </p:to>
+                                    </p:set>
+                                    <p:animEffect transition="in" filter="wipe(down)">
+                                      <p:cBhvr>
+                                        <p:cTn id="23" dur="500"/>
+                                        <p:tgtEl>
+                                          <p:spTgt spid="3">
+                                            <p:txEl>
+                                              <p:pRg st="3" end="3"/>
+                                            </p:txEl>
+                                          </p:spTgt>
+                                        </p:tgtEl>
+                                      </p:cBhvr>
+                                    </p:animEffect>
+                                  </p:childTnLst>
+                                </p:cTn>
+                              </p:par>
+                              <p:par>
+                                <p:cTn id="24" presetID="22" presetClass="entr" presetSubtype="4" fill="hold" grpId="0" nodeType="withEffect">
+                                  <p:stCondLst>
+                                    <p:cond delay="0"/>
+                                  </p:stCondLst>
+                                  <p:childTnLst>
+                                    <p:set>
+                                      <p:cBhvr>
+                                        <p:cTn id="25" dur="1" fill="hold">
+                                          <p:stCondLst>
+                                            <p:cond delay="0"/>
+                                          </p:stCondLst>
+                                        </p:cTn>
+                                        <p:tgtEl>
+                                          <p:spTgt spid="3">
+                                            <p:txEl>
+                                              <p:pRg st="4" end="4"/>
+                                            </p:txEl>
+                                          </p:spTgt>
+                                        </p:tgtEl>
+                                        <p:attrNameLst>
+                                          <p:attrName>style.visibility</p:attrName>
+                                        </p:attrNameLst>
+                                      </p:cBhvr>
+                                      <p:to>
+                                        <p:strVal val="visible"/>
+                                      </p:to>
+                                    </p:set>
+                                    <p:animEffect transition="in" filter="wipe(down)">
+                                      <p:cBhvr>
+                                        <p:cTn id="26" dur="500"/>
+                                        <p:tgtEl>
+                                          <p:spTgt spid="3">
+                                            <p:txEl>
+                                              <p:pRg st="4" end="4"/>
+                                            </p:txEl>
+                                          </p:spTgt>
+                                        </p:tgtEl>
+                                      </p:cBhvr>
+                                    </p:animEffect>
+                                  </p:childTnLst>
+                                </p:cTn>
+                              </p:par>
+                              <p:par>
+                                <p:cTn id="27" presetID="22" presetClass="entr" presetSubtype="4" fill="hold" grpId="0" nodeType="withEffect">
+                                  <p:stCondLst>
+                                    <p:cond delay="0"/>
+                                  </p:stCondLst>
+                                  <p:childTnLst>
+                                    <p:set>
+                                      <p:cBhvr>
+                                        <p:cTn id="28" dur="1" fill="hold">
+                                          <p:stCondLst>
+                                            <p:cond delay="0"/>
+                                          </p:stCondLst>
+                                        </p:cTn>
+                                        <p:tgtEl>
+                                          <p:spTgt spid="3">
+                                            <p:txEl>
+                                              <p:pRg st="5" end="5"/>
+                                            </p:txEl>
+                                          </p:spTgt>
+                                        </p:tgtEl>
+                                        <p:attrNameLst>
+                                          <p:attrName>style.visibility</p:attrName>
+                                        </p:attrNameLst>
+                                      </p:cBhvr>
+                                      <p:to>
+                                        <p:strVal val="visible"/>
+                                      </p:to>
+                                    </p:set>
+                                    <p:animEffect transition="in" filter="wipe(down)">
+                                      <p:cBhvr>
+                                        <p:cTn id="29" dur="500"/>
+                                        <p:tgtEl>
+                                          <p:spTgt spid="3">
+                                            <p:txEl>
+                                              <p:pRg st="5" end="5"/>
+                                            </p:txEl>
+                                          </p:spTgt>
+                                        </p:tgtEl>
+                                      </p:cBhvr>
+                                    </p:animEffect>
+                                  </p:childTnLst>
+                                </p:cTn>
+                              </p:par>
+                            </p:childTnLst>
+                          </p:cTn>
+                        </p:par>
+                      </p:childTnLst>
+                    </p:cTn>
+                  </p:par>
+                  <p:par>
+                    <p:cTn id="30" fill="hold">
+                      <p:stCondLst>
+                        <p:cond delay="indefinite"/>
+                      </p:stCondLst>
+                      <p:childTnLst>
+                        <p:par>
+                          <p:cTn id="31" fill="hold">
+                            <p:stCondLst>
+                              <p:cond delay="0"/>
+                            </p:stCondLst>
+                            <p:childTnLst>
+                              <p:par>
+                                <p:cTn id="32" presetID="22" presetClass="entr" presetSubtype="4" fill="hold" grpId="0" nodeType="clickEffect">
+                                  <p:stCondLst>
+                                    <p:cond delay="0"/>
+                                  </p:stCondLst>
+                                  <p:childTnLst>
+                                    <p:set>
+                                      <p:cBhvr>
+                                        <p:cTn id="33" dur="1" fill="hold">
+                                          <p:stCondLst>
+                                            <p:cond delay="0"/>
+                                          </p:stCondLst>
+                                        </p:cTn>
+                                        <p:tgtEl>
+                                          <p:spTgt spid="3">
+                                            <p:txEl>
+                                              <p:pRg st="6" end="6"/>
+                                            </p:txEl>
+                                          </p:spTgt>
+                                        </p:tgtEl>
+                                        <p:attrNameLst>
+                                          <p:attrName>style.visibility</p:attrName>
+                                        </p:attrNameLst>
+                                      </p:cBhvr>
+                                      <p:to>
+                                        <p:strVal val="visible"/>
+                                      </p:to>
+                                    </p:set>
+                                    <p:animEffect transition="in" filter="wipe(down)">
+                                      <p:cBhvr>
+                                        <p:cTn id="34" dur="500"/>
+                                        <p:tgtEl>
+                                          <p:spTgt spid="3">
+                                            <p:txEl>
+                                              <p:pRg st="6" end="6"/>
+                                            </p:txEl>
+                                          </p:spTgt>
+                                        </p:tgtEl>
+                                      </p:cBhvr>
+                                    </p:animEffect>
+                                  </p:childTnLst>
+                                </p:cTn>
+                              </p:par>
+                              <p:par>
+                                <p:cTn id="35" presetID="22" presetClass="entr" presetSubtype="4" fill="hold" grpId="0" nodeType="withEffect">
+                                  <p:stCondLst>
+                                    <p:cond delay="0"/>
+                                  </p:stCondLst>
+                                  <p:childTnLst>
+                                    <p:set>
+                                      <p:cBhvr>
+                                        <p:cTn id="36" dur="1" fill="hold">
+                                          <p:stCondLst>
+                                            <p:cond delay="0"/>
+                                          </p:stCondLst>
+                                        </p:cTn>
+                                        <p:tgtEl>
+                                          <p:spTgt spid="3">
+                                            <p:txEl>
+                                              <p:pRg st="7" end="7"/>
+                                            </p:txEl>
+                                          </p:spTgt>
+                                        </p:tgtEl>
+                                        <p:attrNameLst>
+                                          <p:attrName>style.visibility</p:attrName>
+                                        </p:attrNameLst>
+                                      </p:cBhvr>
+                                      <p:to>
+                                        <p:strVal val="visible"/>
+                                      </p:to>
+                                    </p:set>
+                                    <p:animEffect transition="in" filter="wipe(down)">
+                                      <p:cBhvr>
+                                        <p:cTn id="37" dur="500"/>
+                                        <p:tgtEl>
+                                          <p:spTgt spid="3">
+                                            <p:txEl>
+                                              <p:pRg st="7" end="7"/>
+                                            </p:txEl>
+                                          </p:spTgt>
+                                        </p:tgtEl>
+                                      </p:cBhvr>
+                                    </p:animEffect>
+                                  </p:childTnLst>
+                                </p:cTn>
+                              </p:par>
+                              <p:par>
+                                <p:cTn id="38" presetID="22" presetClass="entr" presetSubtype="4" fill="hold" grpId="0" nodeType="withEffect">
+                                  <p:stCondLst>
+                                    <p:cond delay="0"/>
+                                  </p:stCondLst>
+                                  <p:childTnLst>
+                                    <p:set>
+                                      <p:cBhvr>
+                                        <p:cTn id="39" dur="1" fill="hold">
+                                          <p:stCondLst>
+                                            <p:cond delay="0"/>
+                                          </p:stCondLst>
+                                        </p:cTn>
+                                        <p:tgtEl>
+                                          <p:spTgt spid="3">
+                                            <p:txEl>
+                                              <p:pRg st="8" end="8"/>
+                                            </p:txEl>
+                                          </p:spTgt>
+                                        </p:tgtEl>
+                                        <p:attrNameLst>
+                                          <p:attrName>style.visibility</p:attrName>
+                                        </p:attrNameLst>
+                                      </p:cBhvr>
+                                      <p:to>
+                                        <p:strVal val="visible"/>
+                                      </p:to>
+                                    </p:set>
+                                    <p:animEffect transition="in" filter="wipe(down)">
+                                      <p:cBhvr>
+                                        <p:cTn id="40" dur="500"/>
+                                        <p:tgtEl>
+                                          <p:spTgt spid="3">
+                                            <p:txEl>
+                                              <p:pRg st="8" end="8"/>
+                                            </p:txEl>
+                                          </p:spTgt>
+                                        </p:tgtEl>
+                                      </p:cBhvr>
+                                    </p:animEffect>
+                                  </p:childTnLst>
+                                </p:cTn>
+                              </p:par>
+                            </p:childTnLst>
+                          </p:cTn>
+                        </p:par>
+                      </p:childTnLst>
+                    </p:cTn>
+                  </p:par>
+                  <p:par>
+                    <p:cTn id="41" fill="hold">
+                      <p:stCondLst>
+                        <p:cond delay="indefinite"/>
+                      </p:stCondLst>
+                      <p:childTnLst>
+                        <p:par>
+                          <p:cTn id="42" fill="hold">
+                            <p:stCondLst>
+                              <p:cond delay="0"/>
+                            </p:stCondLst>
+                            <p:childTnLst>
+                              <p:par>
+                                <p:cTn id="43" presetID="22" presetClass="entr" presetSubtype="4" fill="hold" grpId="0" nodeType="clickEffect">
+                                  <p:stCondLst>
+                                    <p:cond delay="0"/>
+                                  </p:stCondLst>
+                                  <p:childTnLst>
+                                    <p:set>
+                                      <p:cBhvr>
+                                        <p:cTn id="44" dur="1" fill="hold">
+                                          <p:stCondLst>
+                                            <p:cond delay="0"/>
+                                          </p:stCondLst>
+                                        </p:cTn>
+                                        <p:tgtEl>
+                                          <p:spTgt spid="3">
+                                            <p:txEl>
+                                              <p:pRg st="9" end="9"/>
+                                            </p:txEl>
+                                          </p:spTgt>
+                                        </p:tgtEl>
+                                        <p:attrNameLst>
+                                          <p:attrName>style.visibility</p:attrName>
+                                        </p:attrNameLst>
+                                      </p:cBhvr>
+                                      <p:to>
+                                        <p:strVal val="visible"/>
+                                      </p:to>
+                                    </p:set>
+                                    <p:animEffect transition="in" filter="wipe(down)">
+                                      <p:cBhvr>
+                                        <p:cTn id="45" dur="500"/>
+                                        <p:tgtEl>
+                                          <p:spTgt spid="3">
+                                            <p:txEl>
+                                              <p:pRg st="9" end="9"/>
+                                            </p:txEl>
+                                          </p:spTgt>
+                                        </p:tgtEl>
+                                      </p:cBhvr>
+                                    </p:animEffect>
+                                  </p:childTnLst>
+                                </p:cTn>
+                              </p:par>
+                              <p:par>
+                                <p:cTn id="46" presetID="22" presetClass="entr" presetSubtype="4" fill="hold" grpId="0" nodeType="withEffect">
+                                  <p:stCondLst>
+                                    <p:cond delay="0"/>
+                                  </p:stCondLst>
+                                  <p:childTnLst>
+                                    <p:set>
+                                      <p:cBhvr>
+                                        <p:cTn id="47" dur="1" fill="hold">
+                                          <p:stCondLst>
+                                            <p:cond delay="0"/>
+                                          </p:stCondLst>
+                                        </p:cTn>
+                                        <p:tgtEl>
+                                          <p:spTgt spid="3">
+                                            <p:txEl>
+                                              <p:pRg st="10" end="10"/>
+                                            </p:txEl>
+                                          </p:spTgt>
+                                        </p:tgtEl>
+                                        <p:attrNameLst>
+                                          <p:attrName>style.visibility</p:attrName>
+                                        </p:attrNameLst>
+                                      </p:cBhvr>
+                                      <p:to>
+                                        <p:strVal val="visible"/>
+                                      </p:to>
+                                    </p:set>
+                                    <p:animEffect transition="in" filter="wipe(down)">
+                                      <p:cBhvr>
+                                        <p:cTn id="48" dur="500"/>
+                                        <p:tgtEl>
+                                          <p:spTgt spid="3">
+                                            <p:txEl>
+                                              <p:pRg st="10" end="10"/>
+                                            </p:txEl>
+                                          </p:spTgt>
+                                        </p:tgtEl>
+                                      </p:cBhvr>
+                                    </p:animEffect>
+                                  </p:childTnLst>
+                                </p:cTn>
+                              </p:par>
+                            </p:childTnLst>
+                          </p:cTn>
+                        </p:par>
+                      </p:childTnLst>
+                    </p:cTn>
+                  </p:par>
+                  <p:par>
+                    <p:cTn id="49" fill="hold">
+                      <p:stCondLst>
+                        <p:cond delay="indefinite"/>
+                      </p:stCondLst>
+                      <p:childTnLst>
+                        <p:par>
+                          <p:cTn id="50" fill="hold">
+                            <p:stCondLst>
+                              <p:cond delay="0"/>
+                            </p:stCondLst>
+                            <p:childTnLst>
+                              <p:par>
+                                <p:cTn id="51" presetID="22" presetClass="entr" presetSubtype="4" fill="hold" grpId="0" nodeType="clickEffect">
+                                  <p:stCondLst>
+                                    <p:cond delay="0"/>
+                                  </p:stCondLst>
+                                  <p:childTnLst>
+                                    <p:set>
+                                      <p:cBhvr>
+                                        <p:cTn id="52" dur="1" fill="hold">
+                                          <p:stCondLst>
+                                            <p:cond delay="0"/>
+                                          </p:stCondLst>
+                                        </p:cTn>
+                                        <p:tgtEl>
+                                          <p:spTgt spid="3">
+                                            <p:txEl>
+                                              <p:pRg st="11" end="11"/>
+                                            </p:txEl>
+                                          </p:spTgt>
+                                        </p:tgtEl>
+                                        <p:attrNameLst>
+                                          <p:attrName>style.visibility</p:attrName>
+                                        </p:attrNameLst>
+                                      </p:cBhvr>
+                                      <p:to>
+                                        <p:strVal val="visible"/>
+                                      </p:to>
+                                    </p:set>
+                                    <p:animEffect transition="in" filter="wipe(down)">
+                                      <p:cBhvr>
+                                        <p:cTn id="53" dur="500"/>
+                                        <p:tgtEl>
+                                          <p:spTgt spid="3">
+                                            <p:txEl>
+                                              <p:pRg st="11" end="11"/>
+                                            </p:txEl>
+                                          </p:spTgt>
+                                        </p:tgtEl>
+                                      </p:cBhvr>
+                                    </p:animEffect>
+                                  </p:childTnLst>
+                                </p:cTn>
+                              </p:par>
+                              <p:par>
+                                <p:cTn id="54" presetID="22" presetClass="entr" presetSubtype="4" fill="hold" grpId="0" nodeType="withEffect">
+                                  <p:stCondLst>
+                                    <p:cond delay="0"/>
+                                  </p:stCondLst>
+                                  <p:childTnLst>
+                                    <p:set>
+                                      <p:cBhvr>
+                                        <p:cTn id="55" dur="1" fill="hold">
+                                          <p:stCondLst>
+                                            <p:cond delay="0"/>
+                                          </p:stCondLst>
+                                        </p:cTn>
+                                        <p:tgtEl>
+                                          <p:spTgt spid="3">
+                                            <p:txEl>
+                                              <p:pRg st="12" end="12"/>
+                                            </p:txEl>
+                                          </p:spTgt>
+                                        </p:tgtEl>
+                                        <p:attrNameLst>
+                                          <p:attrName>style.visibility</p:attrName>
+                                        </p:attrNameLst>
+                                      </p:cBhvr>
+                                      <p:to>
+                                        <p:strVal val="visible"/>
+                                      </p:to>
+                                    </p:set>
+                                    <p:animEffect transition="in" filter="wipe(down)">
+                                      <p:cBhvr>
+                                        <p:cTn id="56" dur="500"/>
+                                        <p:tgtEl>
+                                          <p:spTgt spid="3">
+                                            <p:txEl>
+                                              <p:pRg st="12" end="12"/>
+                                            </p:txEl>
+                                          </p:spTgt>
+                                        </p:tgtEl>
+                                      </p:cBhvr>
+                                    </p:animEffect>
+                                  </p:childTnLst>
+                                </p:cTn>
+                              </p:par>
+                              <p:par>
+                                <p:cTn id="57" presetID="22" presetClass="entr" presetSubtype="4" fill="hold" grpId="0" nodeType="withEffect">
+                                  <p:stCondLst>
+                                    <p:cond delay="0"/>
+                                  </p:stCondLst>
+                                  <p:childTnLst>
+                                    <p:set>
+                                      <p:cBhvr>
+                                        <p:cTn id="58" dur="1" fill="hold">
+                                          <p:stCondLst>
+                                            <p:cond delay="0"/>
+                                          </p:stCondLst>
+                                        </p:cTn>
+                                        <p:tgtEl>
+                                          <p:spTgt spid="3">
+                                            <p:txEl>
+                                              <p:pRg st="13" end="13"/>
+                                            </p:txEl>
+                                          </p:spTgt>
+                                        </p:tgtEl>
+                                        <p:attrNameLst>
+                                          <p:attrName>style.visibility</p:attrName>
+                                        </p:attrNameLst>
+                                      </p:cBhvr>
+                                      <p:to>
+                                        <p:strVal val="visible"/>
+                                      </p:to>
+                                    </p:set>
+                                    <p:animEffect transition="in" filter="wipe(down)">
+                                      <p:cBhvr>
+                                        <p:cTn id="59" dur="500"/>
+                                        <p:tgtEl>
+                                          <p:spTgt spid="3">
+                                            <p:txEl>
+                                              <p:pRg st="13" end="13"/>
+                                            </p:txEl>
+                                          </p:spTgt>
+                                        </p:tgtEl>
+                                      </p:cBhvr>
+                                    </p:animEffect>
+                                  </p:childTnLst>
+                                </p:cTn>
+                              </p:par>
+                            </p:childTnLst>
+                          </p:cTn>
+                        </p:par>
+                      </p:childTnLst>
+                    </p:cTn>
+                  </p:par>
+                  <p:par>
+                    <p:cTn id="60" fill="hold">
+                      <p:stCondLst>
+                        <p:cond delay="indefinite"/>
+                      </p:stCondLst>
+                      <p:childTnLst>
+                        <p:par>
+                          <p:cTn id="61" fill="hold">
+                            <p:stCondLst>
+                              <p:cond delay="0"/>
+                            </p:stCondLst>
+                            <p:childTnLst>
+                              <p:par>
+                                <p:cTn id="62" presetID="22" presetClass="entr" presetSubtype="4" fill="hold" grpId="0" nodeType="clickEffect">
+                                  <p:stCondLst>
+                                    <p:cond delay="0"/>
+                                  </p:stCondLst>
+                                  <p:childTnLst>
+                                    <p:set>
+                                      <p:cBhvr>
+                                        <p:cTn id="63" dur="1" fill="hold">
+                                          <p:stCondLst>
+                                            <p:cond delay="0"/>
+                                          </p:stCondLst>
+                                        </p:cTn>
+                                        <p:tgtEl>
+                                          <p:spTgt spid="3">
+                                            <p:txEl>
+                                              <p:pRg st="14" end="14"/>
+                                            </p:txEl>
+                                          </p:spTgt>
+                                        </p:tgtEl>
+                                        <p:attrNameLst>
+                                          <p:attrName>style.visibility</p:attrName>
+                                        </p:attrNameLst>
+                                      </p:cBhvr>
+                                      <p:to>
+                                        <p:strVal val="visible"/>
+                                      </p:to>
+                                    </p:set>
+                                    <p:animEffect transition="in" filter="wipe(down)">
+                                      <p:cBhvr>
+                                        <p:cTn id="64" dur="500"/>
+                                        <p:tgtEl>
+                                          <p:spTgt spid="3">
+                                            <p:txEl>
+                                              <p:pRg st="14" end="14"/>
+                                            </p:txEl>
+                                          </p:spTgt>
+                                        </p:tgtEl>
+                                      </p:cBhvr>
+                                    </p:animEffect>
+                                  </p:childTnLst>
+                                </p:cTn>
+                              </p:par>
+                              <p:par>
+                                <p:cTn id="65" presetID="22" presetClass="entr" presetSubtype="4" fill="hold" grpId="0" nodeType="withEffect">
+                                  <p:stCondLst>
+                                    <p:cond delay="0"/>
+                                  </p:stCondLst>
+                                  <p:childTnLst>
+                                    <p:set>
+                                      <p:cBhvr>
+                                        <p:cTn id="66" dur="1" fill="hold">
+                                          <p:stCondLst>
+                                            <p:cond delay="0"/>
+                                          </p:stCondLst>
+                                        </p:cTn>
+                                        <p:tgtEl>
+                                          <p:spTgt spid="3">
+                                            <p:txEl>
+                                              <p:pRg st="15" end="15"/>
+                                            </p:txEl>
+                                          </p:spTgt>
+                                        </p:tgtEl>
+                                        <p:attrNameLst>
+                                          <p:attrName>style.visibility</p:attrName>
+                                        </p:attrNameLst>
+                                      </p:cBhvr>
+                                      <p:to>
+                                        <p:strVal val="visible"/>
+                                      </p:to>
+                                    </p:set>
+                                    <p:animEffect transition="in" filter="wipe(down)">
+                                      <p:cBhvr>
+                                        <p:cTn id="67" dur="500"/>
+                                        <p:tgtEl>
+                                          <p:spTgt spid="3">
+                                            <p:txEl>
+                                              <p:pRg st="15" end="15"/>
+                                            </p:txEl>
+                                          </p:spTgt>
+                                        </p:tgtEl>
+                                      </p:cBhvr>
+                                    </p:animEffect>
+                                  </p:childTnLst>
+                                </p:cTn>
+                              </p:par>
+                            </p:childTnLst>
+                          </p:cTn>
+                        </p:par>
+                      </p:childTnLst>
+                    </p:cTn>
+                  </p:par>
+                </p:childTnLst>
+              </p:cTn>
+              <p:prevCondLst>
+                <p:cond evt="onPrev" delay="0">
+                  <p:tgtEl>
+                    <p:sldTgt/>
+                  </p:tgtEl>
+                </p:cond>
+              </p:prevCondLst>
+              <p:nextCondLst>
+                <p:cond evt="onNext" delay="0">
+                  <p:tgtEl>
+                    <p:sldTgt/>
+                  </p:tgtEl>
+                </p:cond>
+              </p:nextCondLst>
+            </p:seq>
+          </p:childTnLst>
+        </p:cTn>
+      </p:par>
+    </p:tnLst>
+    <p:bldLst>
+      <p:bldP spid="2" grpId="0"/>
+      <p:bldP spid="3" grpId="0" build="p"/>
+    </p:bldLst>
+  </p:timing>
 </p:sld>
 </file>
 
@@ -6392,6 +9644,521 @@
   <p:clrMapOvr>
     <a:masterClrMapping/>
   </p:clrMapOvr>
+  <p:transition spd="slow">
+    <p:wipe/>
+  </p:transition>
+  <p:timing>
+    <p:tnLst>
+      <p:par>
+        <p:cTn id="1" dur="indefinite" restart="never" nodeType="tmRoot">
+          <p:childTnLst>
+            <p:seq concurrent="1" nextAc="seek">
+              <p:cTn id="2" dur="indefinite" nodeType="mainSeq">
+                <p:childTnLst>
+                  <p:par>
+                    <p:cTn id="3" fill="hold">
+                      <p:stCondLst>
+                        <p:cond delay="indefinite"/>
+                      </p:stCondLst>
+                      <p:childTnLst>
+                        <p:par>
+                          <p:cTn id="4" fill="hold">
+                            <p:stCondLst>
+                              <p:cond delay="0"/>
+                            </p:stCondLst>
+                            <p:childTnLst>
+                              <p:par>
+                                <p:cTn id="5" presetID="16" presetClass="entr" presetSubtype="21" fill="hold" grpId="0" nodeType="clickEffect">
+                                  <p:stCondLst>
+                                    <p:cond delay="0"/>
+                                  </p:stCondLst>
+                                  <p:childTnLst>
+                                    <p:set>
+                                      <p:cBhvr>
+                                        <p:cTn id="6" dur="1" fill="hold">
+                                          <p:stCondLst>
+                                            <p:cond delay="0"/>
+                                          </p:stCondLst>
+                                        </p:cTn>
+                                        <p:tgtEl>
+                                          <p:spTgt spid="2"/>
+                                        </p:tgtEl>
+                                        <p:attrNameLst>
+                                          <p:attrName>style.visibility</p:attrName>
+                                        </p:attrNameLst>
+                                      </p:cBhvr>
+                                      <p:to>
+                                        <p:strVal val="visible"/>
+                                      </p:to>
+                                    </p:set>
+                                    <p:animEffect transition="in" filter="barn(inVertical)">
+                                      <p:cBhvr>
+                                        <p:cTn id="7" dur="500"/>
+                                        <p:tgtEl>
+                                          <p:spTgt spid="2"/>
+                                        </p:tgtEl>
+                                      </p:cBhvr>
+                                    </p:animEffect>
+                                  </p:childTnLst>
+                                </p:cTn>
+                              </p:par>
+                            </p:childTnLst>
+                          </p:cTn>
+                        </p:par>
+                      </p:childTnLst>
+                    </p:cTn>
+                  </p:par>
+                  <p:par>
+                    <p:cTn id="8" fill="hold">
+                      <p:stCondLst>
+                        <p:cond delay="indefinite"/>
+                      </p:stCondLst>
+                      <p:childTnLst>
+                        <p:par>
+                          <p:cTn id="9" fill="hold">
+                            <p:stCondLst>
+                              <p:cond delay="0"/>
+                            </p:stCondLst>
+                            <p:childTnLst>
+                              <p:par>
+                                <p:cTn id="10" presetID="16" presetClass="entr" presetSubtype="21" fill="hold" grpId="0" nodeType="clickEffect">
+                                  <p:stCondLst>
+                                    <p:cond delay="0"/>
+                                  </p:stCondLst>
+                                  <p:childTnLst>
+                                    <p:set>
+                                      <p:cBhvr>
+                                        <p:cTn id="11" dur="1" fill="hold">
+                                          <p:stCondLst>
+                                            <p:cond delay="0"/>
+                                          </p:stCondLst>
+                                        </p:cTn>
+                                        <p:tgtEl>
+                                          <p:spTgt spid="3">
+                                            <p:txEl>
+                                              <p:pRg st="0" end="0"/>
+                                            </p:txEl>
+                                          </p:spTgt>
+                                        </p:tgtEl>
+                                        <p:attrNameLst>
+                                          <p:attrName>style.visibility</p:attrName>
+                                        </p:attrNameLst>
+                                      </p:cBhvr>
+                                      <p:to>
+                                        <p:strVal val="visible"/>
+                                      </p:to>
+                                    </p:set>
+                                    <p:animEffect transition="in" filter="barn(inVertical)">
+                                      <p:cBhvr>
+                                        <p:cTn id="12" dur="500"/>
+                                        <p:tgtEl>
+                                          <p:spTgt spid="3">
+                                            <p:txEl>
+                                              <p:pRg st="0" end="0"/>
+                                            </p:txEl>
+                                          </p:spTgt>
+                                        </p:tgtEl>
+                                      </p:cBhvr>
+                                    </p:animEffect>
+                                  </p:childTnLst>
+                                </p:cTn>
+                              </p:par>
+                            </p:childTnLst>
+                          </p:cTn>
+                        </p:par>
+                        <p:par>
+                          <p:cTn id="13" fill="hold">
+                            <p:stCondLst>
+                              <p:cond delay="500"/>
+                            </p:stCondLst>
+                            <p:childTnLst>
+                              <p:par>
+                                <p:cTn id="14" presetID="16" presetClass="entr" presetSubtype="21" fill="hold" grpId="0" nodeType="afterEffect">
+                                  <p:stCondLst>
+                                    <p:cond delay="0"/>
+                                  </p:stCondLst>
+                                  <p:childTnLst>
+                                    <p:set>
+                                      <p:cBhvr>
+                                        <p:cTn id="15" dur="1" fill="hold">
+                                          <p:stCondLst>
+                                            <p:cond delay="0"/>
+                                          </p:stCondLst>
+                                        </p:cTn>
+                                        <p:tgtEl>
+                                          <p:spTgt spid="3">
+                                            <p:txEl>
+                                              <p:pRg st="1" end="1"/>
+                                            </p:txEl>
+                                          </p:spTgt>
+                                        </p:tgtEl>
+                                        <p:attrNameLst>
+                                          <p:attrName>style.visibility</p:attrName>
+                                        </p:attrNameLst>
+                                      </p:cBhvr>
+                                      <p:to>
+                                        <p:strVal val="visible"/>
+                                      </p:to>
+                                    </p:set>
+                                    <p:animEffect transition="in" filter="barn(inVertical)">
+                                      <p:cBhvr>
+                                        <p:cTn id="16" dur="500"/>
+                                        <p:tgtEl>
+                                          <p:spTgt spid="3">
+                                            <p:txEl>
+                                              <p:pRg st="1" end="1"/>
+                                            </p:txEl>
+                                          </p:spTgt>
+                                        </p:tgtEl>
+                                      </p:cBhvr>
+                                    </p:animEffect>
+                                  </p:childTnLst>
+                                </p:cTn>
+                              </p:par>
+                            </p:childTnLst>
+                          </p:cTn>
+                        </p:par>
+                        <p:par>
+                          <p:cTn id="17" fill="hold">
+                            <p:stCondLst>
+                              <p:cond delay="1000"/>
+                            </p:stCondLst>
+                            <p:childTnLst>
+                              <p:par>
+                                <p:cTn id="18" presetID="16" presetClass="entr" presetSubtype="21" fill="hold" grpId="0" nodeType="afterEffect">
+                                  <p:stCondLst>
+                                    <p:cond delay="0"/>
+                                  </p:stCondLst>
+                                  <p:childTnLst>
+                                    <p:set>
+                                      <p:cBhvr>
+                                        <p:cTn id="19" dur="1" fill="hold">
+                                          <p:stCondLst>
+                                            <p:cond delay="0"/>
+                                          </p:stCondLst>
+                                        </p:cTn>
+                                        <p:tgtEl>
+                                          <p:spTgt spid="3">
+                                            <p:txEl>
+                                              <p:pRg st="2" end="2"/>
+                                            </p:txEl>
+                                          </p:spTgt>
+                                        </p:tgtEl>
+                                        <p:attrNameLst>
+                                          <p:attrName>style.visibility</p:attrName>
+                                        </p:attrNameLst>
+                                      </p:cBhvr>
+                                      <p:to>
+                                        <p:strVal val="visible"/>
+                                      </p:to>
+                                    </p:set>
+                                    <p:animEffect transition="in" filter="barn(inVertical)">
+                                      <p:cBhvr>
+                                        <p:cTn id="20" dur="500"/>
+                                        <p:tgtEl>
+                                          <p:spTgt spid="3">
+                                            <p:txEl>
+                                              <p:pRg st="2" end="2"/>
+                                            </p:txEl>
+                                          </p:spTgt>
+                                        </p:tgtEl>
+                                      </p:cBhvr>
+                                    </p:animEffect>
+                                  </p:childTnLst>
+                                </p:cTn>
+                              </p:par>
+                            </p:childTnLst>
+                          </p:cTn>
+                        </p:par>
+                        <p:par>
+                          <p:cTn id="21" fill="hold">
+                            <p:stCondLst>
+                              <p:cond delay="1500"/>
+                            </p:stCondLst>
+                            <p:childTnLst>
+                              <p:par>
+                                <p:cTn id="22" presetID="16" presetClass="entr" presetSubtype="21" fill="hold" grpId="0" nodeType="afterEffect">
+                                  <p:stCondLst>
+                                    <p:cond delay="0"/>
+                                  </p:stCondLst>
+                                  <p:childTnLst>
+                                    <p:set>
+                                      <p:cBhvr>
+                                        <p:cTn id="23" dur="1" fill="hold">
+                                          <p:stCondLst>
+                                            <p:cond delay="0"/>
+                                          </p:stCondLst>
+                                        </p:cTn>
+                                        <p:tgtEl>
+                                          <p:spTgt spid="3">
+                                            <p:txEl>
+                                              <p:pRg st="3" end="3"/>
+                                            </p:txEl>
+                                          </p:spTgt>
+                                        </p:tgtEl>
+                                        <p:attrNameLst>
+                                          <p:attrName>style.visibility</p:attrName>
+                                        </p:attrNameLst>
+                                      </p:cBhvr>
+                                      <p:to>
+                                        <p:strVal val="visible"/>
+                                      </p:to>
+                                    </p:set>
+                                    <p:animEffect transition="in" filter="barn(inVertical)">
+                                      <p:cBhvr>
+                                        <p:cTn id="24" dur="500"/>
+                                        <p:tgtEl>
+                                          <p:spTgt spid="3">
+                                            <p:txEl>
+                                              <p:pRg st="3" end="3"/>
+                                            </p:txEl>
+                                          </p:spTgt>
+                                        </p:tgtEl>
+                                      </p:cBhvr>
+                                    </p:animEffect>
+                                  </p:childTnLst>
+                                </p:cTn>
+                              </p:par>
+                            </p:childTnLst>
+                          </p:cTn>
+                        </p:par>
+                        <p:par>
+                          <p:cTn id="25" fill="hold">
+                            <p:stCondLst>
+                              <p:cond delay="2000"/>
+                            </p:stCondLst>
+                            <p:childTnLst>
+                              <p:par>
+                                <p:cTn id="26" presetID="16" presetClass="entr" presetSubtype="21" fill="hold" grpId="0" nodeType="afterEffect">
+                                  <p:stCondLst>
+                                    <p:cond delay="0"/>
+                                  </p:stCondLst>
+                                  <p:childTnLst>
+                                    <p:set>
+                                      <p:cBhvr>
+                                        <p:cTn id="27" dur="1" fill="hold">
+                                          <p:stCondLst>
+                                            <p:cond delay="0"/>
+                                          </p:stCondLst>
+                                        </p:cTn>
+                                        <p:tgtEl>
+                                          <p:spTgt spid="3">
+                                            <p:txEl>
+                                              <p:pRg st="4" end="4"/>
+                                            </p:txEl>
+                                          </p:spTgt>
+                                        </p:tgtEl>
+                                        <p:attrNameLst>
+                                          <p:attrName>style.visibility</p:attrName>
+                                        </p:attrNameLst>
+                                      </p:cBhvr>
+                                      <p:to>
+                                        <p:strVal val="visible"/>
+                                      </p:to>
+                                    </p:set>
+                                    <p:animEffect transition="in" filter="barn(inVertical)">
+                                      <p:cBhvr>
+                                        <p:cTn id="28" dur="500"/>
+                                        <p:tgtEl>
+                                          <p:spTgt spid="3">
+                                            <p:txEl>
+                                              <p:pRg st="4" end="4"/>
+                                            </p:txEl>
+                                          </p:spTgt>
+                                        </p:tgtEl>
+                                      </p:cBhvr>
+                                    </p:animEffect>
+                                  </p:childTnLst>
+                                </p:cTn>
+                              </p:par>
+                            </p:childTnLst>
+                          </p:cTn>
+                        </p:par>
+                        <p:par>
+                          <p:cTn id="29" fill="hold">
+                            <p:stCondLst>
+                              <p:cond delay="2500"/>
+                            </p:stCondLst>
+                            <p:childTnLst>
+                              <p:par>
+                                <p:cTn id="30" presetID="16" presetClass="entr" presetSubtype="21" fill="hold" grpId="0" nodeType="afterEffect">
+                                  <p:stCondLst>
+                                    <p:cond delay="0"/>
+                                  </p:stCondLst>
+                                  <p:childTnLst>
+                                    <p:set>
+                                      <p:cBhvr>
+                                        <p:cTn id="31" dur="1" fill="hold">
+                                          <p:stCondLst>
+                                            <p:cond delay="0"/>
+                                          </p:stCondLst>
+                                        </p:cTn>
+                                        <p:tgtEl>
+                                          <p:spTgt spid="3">
+                                            <p:txEl>
+                                              <p:pRg st="5" end="5"/>
+                                            </p:txEl>
+                                          </p:spTgt>
+                                        </p:tgtEl>
+                                        <p:attrNameLst>
+                                          <p:attrName>style.visibility</p:attrName>
+                                        </p:attrNameLst>
+                                      </p:cBhvr>
+                                      <p:to>
+                                        <p:strVal val="visible"/>
+                                      </p:to>
+                                    </p:set>
+                                    <p:animEffect transition="in" filter="barn(inVertical)">
+                                      <p:cBhvr>
+                                        <p:cTn id="32" dur="500"/>
+                                        <p:tgtEl>
+                                          <p:spTgt spid="3">
+                                            <p:txEl>
+                                              <p:pRg st="5" end="5"/>
+                                            </p:txEl>
+                                          </p:spTgt>
+                                        </p:tgtEl>
+                                      </p:cBhvr>
+                                    </p:animEffect>
+                                  </p:childTnLst>
+                                </p:cTn>
+                              </p:par>
+                            </p:childTnLst>
+                          </p:cTn>
+                        </p:par>
+                        <p:par>
+                          <p:cTn id="33" fill="hold">
+                            <p:stCondLst>
+                              <p:cond delay="3000"/>
+                            </p:stCondLst>
+                            <p:childTnLst>
+                              <p:par>
+                                <p:cTn id="34" presetID="16" presetClass="entr" presetSubtype="21" fill="hold" grpId="0" nodeType="afterEffect">
+                                  <p:stCondLst>
+                                    <p:cond delay="0"/>
+                                  </p:stCondLst>
+                                  <p:childTnLst>
+                                    <p:set>
+                                      <p:cBhvr>
+                                        <p:cTn id="35" dur="1" fill="hold">
+                                          <p:stCondLst>
+                                            <p:cond delay="0"/>
+                                          </p:stCondLst>
+                                        </p:cTn>
+                                        <p:tgtEl>
+                                          <p:spTgt spid="3">
+                                            <p:txEl>
+                                              <p:pRg st="6" end="6"/>
+                                            </p:txEl>
+                                          </p:spTgt>
+                                        </p:tgtEl>
+                                        <p:attrNameLst>
+                                          <p:attrName>style.visibility</p:attrName>
+                                        </p:attrNameLst>
+                                      </p:cBhvr>
+                                      <p:to>
+                                        <p:strVal val="visible"/>
+                                      </p:to>
+                                    </p:set>
+                                    <p:animEffect transition="in" filter="barn(inVertical)">
+                                      <p:cBhvr>
+                                        <p:cTn id="36" dur="500"/>
+                                        <p:tgtEl>
+                                          <p:spTgt spid="3">
+                                            <p:txEl>
+                                              <p:pRg st="6" end="6"/>
+                                            </p:txEl>
+                                          </p:spTgt>
+                                        </p:tgtEl>
+                                      </p:cBhvr>
+                                    </p:animEffect>
+                                  </p:childTnLst>
+                                </p:cTn>
+                              </p:par>
+                            </p:childTnLst>
+                          </p:cTn>
+                        </p:par>
+                        <p:par>
+                          <p:cTn id="37" fill="hold">
+                            <p:stCondLst>
+                              <p:cond delay="3500"/>
+                            </p:stCondLst>
+                            <p:childTnLst>
+                              <p:par>
+                                <p:cTn id="38" presetID="16" presetClass="entr" presetSubtype="21" fill="hold" grpId="0" nodeType="afterEffect">
+                                  <p:stCondLst>
+                                    <p:cond delay="0"/>
+                                  </p:stCondLst>
+                                  <p:childTnLst>
+                                    <p:set>
+                                      <p:cBhvr>
+                                        <p:cTn id="39" dur="1" fill="hold">
+                                          <p:stCondLst>
+                                            <p:cond delay="0"/>
+                                          </p:stCondLst>
+                                        </p:cTn>
+                                        <p:tgtEl>
+                                          <p:spTgt spid="3">
+                                            <p:txEl>
+                                              <p:pRg st="7" end="7"/>
+                                            </p:txEl>
+                                          </p:spTgt>
+                                        </p:tgtEl>
+                                        <p:attrNameLst>
+                                          <p:attrName>style.visibility</p:attrName>
+                                        </p:attrNameLst>
+                                      </p:cBhvr>
+                                      <p:to>
+                                        <p:strVal val="visible"/>
+                                      </p:to>
+                                    </p:set>
+                                    <p:animEffect transition="in" filter="barn(inVertical)">
+                                      <p:cBhvr>
+                                        <p:cTn id="40" dur="500"/>
+                                        <p:tgtEl>
+                                          <p:spTgt spid="3">
+                                            <p:txEl>
+                                              <p:pRg st="7" end="7"/>
+                                            </p:txEl>
+                                          </p:spTgt>
+                                        </p:tgtEl>
+                                      </p:cBhvr>
+                                    </p:animEffect>
+                                  </p:childTnLst>
+                                </p:cTn>
+                              </p:par>
+                            </p:childTnLst>
+                          </p:cTn>
+                        </p:par>
+                      </p:childTnLst>
+                    </p:cTn>
+                  </p:par>
+                </p:childTnLst>
+              </p:cTn>
+              <p:prevCondLst>
+                <p:cond evt="onPrev" delay="0">
+                  <p:tgtEl>
+                    <p:sldTgt/>
+                  </p:tgtEl>
+                </p:cond>
+              </p:prevCondLst>
+              <p:nextCondLst>
+                <p:cond evt="onNext" delay="0">
+                  <p:tgtEl>
+                    <p:sldTgt/>
+                  </p:tgtEl>
+                </p:cond>
+              </p:nextCondLst>
+            </p:seq>
+          </p:childTnLst>
+        </p:cTn>
+      </p:par>
+    </p:tnLst>
+    <p:bldLst>
+      <p:bldP spid="2" grpId="0"/>
+      <p:bldP spid="3" grpId="0" uiExpand="1" build="p"/>
+    </p:bldLst>
+  </p:timing>
 </p:sld>
 </file>
 
@@ -6571,6 +10338,401 @@
   <p:clrMapOvr>
     <a:masterClrMapping/>
   </p:clrMapOvr>
+  <p:transition spd="slow">
+    <p:wipe/>
+  </p:transition>
+  <p:timing>
+    <p:tnLst>
+      <p:par>
+        <p:cTn id="1" dur="indefinite" restart="never" nodeType="tmRoot">
+          <p:childTnLst>
+            <p:seq concurrent="1" nextAc="seek">
+              <p:cTn id="2" dur="indefinite" nodeType="mainSeq">
+                <p:childTnLst>
+                  <p:par>
+                    <p:cTn id="3" fill="hold">
+                      <p:stCondLst>
+                        <p:cond delay="indefinite"/>
+                      </p:stCondLst>
+                      <p:childTnLst>
+                        <p:par>
+                          <p:cTn id="4" fill="hold">
+                            <p:stCondLst>
+                              <p:cond delay="0"/>
+                            </p:stCondLst>
+                            <p:childTnLst>
+                              <p:par>
+                                <p:cTn id="5" presetID="16" presetClass="entr" presetSubtype="21" fill="hold" grpId="0" nodeType="clickEffect">
+                                  <p:stCondLst>
+                                    <p:cond delay="0"/>
+                                  </p:stCondLst>
+                                  <p:childTnLst>
+                                    <p:set>
+                                      <p:cBhvr>
+                                        <p:cTn id="6" dur="1" fill="hold">
+                                          <p:stCondLst>
+                                            <p:cond delay="0"/>
+                                          </p:stCondLst>
+                                        </p:cTn>
+                                        <p:tgtEl>
+                                          <p:spTgt spid="2"/>
+                                        </p:tgtEl>
+                                        <p:attrNameLst>
+                                          <p:attrName>style.visibility</p:attrName>
+                                        </p:attrNameLst>
+                                      </p:cBhvr>
+                                      <p:to>
+                                        <p:strVal val="visible"/>
+                                      </p:to>
+                                    </p:set>
+                                    <p:animEffect transition="in" filter="barn(inVertical)">
+                                      <p:cBhvr>
+                                        <p:cTn id="7" dur="500"/>
+                                        <p:tgtEl>
+                                          <p:spTgt spid="2"/>
+                                        </p:tgtEl>
+                                      </p:cBhvr>
+                                    </p:animEffect>
+                                  </p:childTnLst>
+                                </p:cTn>
+                              </p:par>
+                            </p:childTnLst>
+                          </p:cTn>
+                        </p:par>
+                      </p:childTnLst>
+                    </p:cTn>
+                  </p:par>
+                  <p:par>
+                    <p:cTn id="8" fill="hold">
+                      <p:stCondLst>
+                        <p:cond delay="indefinite"/>
+                      </p:stCondLst>
+                      <p:childTnLst>
+                        <p:par>
+                          <p:cTn id="9" fill="hold">
+                            <p:stCondLst>
+                              <p:cond delay="0"/>
+                            </p:stCondLst>
+                            <p:childTnLst>
+                              <p:par>
+                                <p:cTn id="10" presetID="22" presetClass="entr" presetSubtype="4" fill="hold" grpId="0" nodeType="clickEffect">
+                                  <p:stCondLst>
+                                    <p:cond delay="0"/>
+                                  </p:stCondLst>
+                                  <p:childTnLst>
+                                    <p:set>
+                                      <p:cBhvr>
+                                        <p:cTn id="11" dur="1" fill="hold">
+                                          <p:stCondLst>
+                                            <p:cond delay="0"/>
+                                          </p:stCondLst>
+                                        </p:cTn>
+                                        <p:tgtEl>
+                                          <p:spTgt spid="3">
+                                            <p:txEl>
+                                              <p:pRg st="0" end="0"/>
+                                            </p:txEl>
+                                          </p:spTgt>
+                                        </p:tgtEl>
+                                        <p:attrNameLst>
+                                          <p:attrName>style.visibility</p:attrName>
+                                        </p:attrNameLst>
+                                      </p:cBhvr>
+                                      <p:to>
+                                        <p:strVal val="visible"/>
+                                      </p:to>
+                                    </p:set>
+                                    <p:animEffect transition="in" filter="wipe(down)">
+                                      <p:cBhvr>
+                                        <p:cTn id="12" dur="500"/>
+                                        <p:tgtEl>
+                                          <p:spTgt spid="3">
+                                            <p:txEl>
+                                              <p:pRg st="0" end="0"/>
+                                            </p:txEl>
+                                          </p:spTgt>
+                                        </p:tgtEl>
+                                      </p:cBhvr>
+                                    </p:animEffect>
+                                  </p:childTnLst>
+                                </p:cTn>
+                              </p:par>
+                            </p:childTnLst>
+                          </p:cTn>
+                        </p:par>
+                      </p:childTnLst>
+                    </p:cTn>
+                  </p:par>
+                  <p:par>
+                    <p:cTn id="13" fill="hold">
+                      <p:stCondLst>
+                        <p:cond delay="indefinite"/>
+                      </p:stCondLst>
+                      <p:childTnLst>
+                        <p:par>
+                          <p:cTn id="14" fill="hold">
+                            <p:stCondLst>
+                              <p:cond delay="0"/>
+                            </p:stCondLst>
+                            <p:childTnLst>
+                              <p:par>
+                                <p:cTn id="15" presetID="22" presetClass="entr" presetSubtype="4" fill="hold" grpId="0" nodeType="clickEffect">
+                                  <p:stCondLst>
+                                    <p:cond delay="0"/>
+                                  </p:stCondLst>
+                                  <p:childTnLst>
+                                    <p:set>
+                                      <p:cBhvr>
+                                        <p:cTn id="16" dur="1" fill="hold">
+                                          <p:stCondLst>
+                                            <p:cond delay="0"/>
+                                          </p:stCondLst>
+                                        </p:cTn>
+                                        <p:tgtEl>
+                                          <p:spTgt spid="3">
+                                            <p:txEl>
+                                              <p:pRg st="1" end="1"/>
+                                            </p:txEl>
+                                          </p:spTgt>
+                                        </p:tgtEl>
+                                        <p:attrNameLst>
+                                          <p:attrName>style.visibility</p:attrName>
+                                        </p:attrNameLst>
+                                      </p:cBhvr>
+                                      <p:to>
+                                        <p:strVal val="visible"/>
+                                      </p:to>
+                                    </p:set>
+                                    <p:animEffect transition="in" filter="wipe(down)">
+                                      <p:cBhvr>
+                                        <p:cTn id="17" dur="500"/>
+                                        <p:tgtEl>
+                                          <p:spTgt spid="3">
+                                            <p:txEl>
+                                              <p:pRg st="1" end="1"/>
+                                            </p:txEl>
+                                          </p:spTgt>
+                                        </p:tgtEl>
+                                      </p:cBhvr>
+                                    </p:animEffect>
+                                  </p:childTnLst>
+                                </p:cTn>
+                              </p:par>
+                            </p:childTnLst>
+                          </p:cTn>
+                        </p:par>
+                      </p:childTnLst>
+                    </p:cTn>
+                  </p:par>
+                  <p:par>
+                    <p:cTn id="18" fill="hold">
+                      <p:stCondLst>
+                        <p:cond delay="indefinite"/>
+                      </p:stCondLst>
+                      <p:childTnLst>
+                        <p:par>
+                          <p:cTn id="19" fill="hold">
+                            <p:stCondLst>
+                              <p:cond delay="0"/>
+                            </p:stCondLst>
+                            <p:childTnLst>
+                              <p:par>
+                                <p:cTn id="20" presetID="22" presetClass="entr" presetSubtype="4" fill="hold" grpId="0" nodeType="clickEffect">
+                                  <p:stCondLst>
+                                    <p:cond delay="0"/>
+                                  </p:stCondLst>
+                                  <p:childTnLst>
+                                    <p:set>
+                                      <p:cBhvr>
+                                        <p:cTn id="21" dur="1" fill="hold">
+                                          <p:stCondLst>
+                                            <p:cond delay="0"/>
+                                          </p:stCondLst>
+                                        </p:cTn>
+                                        <p:tgtEl>
+                                          <p:spTgt spid="3">
+                                            <p:txEl>
+                                              <p:pRg st="2" end="2"/>
+                                            </p:txEl>
+                                          </p:spTgt>
+                                        </p:tgtEl>
+                                        <p:attrNameLst>
+                                          <p:attrName>style.visibility</p:attrName>
+                                        </p:attrNameLst>
+                                      </p:cBhvr>
+                                      <p:to>
+                                        <p:strVal val="visible"/>
+                                      </p:to>
+                                    </p:set>
+                                    <p:animEffect transition="in" filter="wipe(down)">
+                                      <p:cBhvr>
+                                        <p:cTn id="22" dur="500"/>
+                                        <p:tgtEl>
+                                          <p:spTgt spid="3">
+                                            <p:txEl>
+                                              <p:pRg st="2" end="2"/>
+                                            </p:txEl>
+                                          </p:spTgt>
+                                        </p:tgtEl>
+                                      </p:cBhvr>
+                                    </p:animEffect>
+                                  </p:childTnLst>
+                                </p:cTn>
+                              </p:par>
+                            </p:childTnLst>
+                          </p:cTn>
+                        </p:par>
+                      </p:childTnLst>
+                    </p:cTn>
+                  </p:par>
+                  <p:par>
+                    <p:cTn id="23" fill="hold">
+                      <p:stCondLst>
+                        <p:cond delay="indefinite"/>
+                      </p:stCondLst>
+                      <p:childTnLst>
+                        <p:par>
+                          <p:cTn id="24" fill="hold">
+                            <p:stCondLst>
+                              <p:cond delay="0"/>
+                            </p:stCondLst>
+                            <p:childTnLst>
+                              <p:par>
+                                <p:cTn id="25" presetID="22" presetClass="entr" presetSubtype="4" fill="hold" grpId="0" nodeType="clickEffect">
+                                  <p:stCondLst>
+                                    <p:cond delay="0"/>
+                                  </p:stCondLst>
+                                  <p:childTnLst>
+                                    <p:set>
+                                      <p:cBhvr>
+                                        <p:cTn id="26" dur="1" fill="hold">
+                                          <p:stCondLst>
+                                            <p:cond delay="0"/>
+                                          </p:stCondLst>
+                                        </p:cTn>
+                                        <p:tgtEl>
+                                          <p:spTgt spid="3">
+                                            <p:txEl>
+                                              <p:pRg st="3" end="3"/>
+                                            </p:txEl>
+                                          </p:spTgt>
+                                        </p:tgtEl>
+                                        <p:attrNameLst>
+                                          <p:attrName>style.visibility</p:attrName>
+                                        </p:attrNameLst>
+                                      </p:cBhvr>
+                                      <p:to>
+                                        <p:strVal val="visible"/>
+                                      </p:to>
+                                    </p:set>
+                                    <p:animEffect transition="in" filter="wipe(down)">
+                                      <p:cBhvr>
+                                        <p:cTn id="27" dur="500"/>
+                                        <p:tgtEl>
+                                          <p:spTgt spid="3">
+                                            <p:txEl>
+                                              <p:pRg st="3" end="3"/>
+                                            </p:txEl>
+                                          </p:spTgt>
+                                        </p:tgtEl>
+                                      </p:cBhvr>
+                                    </p:animEffect>
+                                  </p:childTnLst>
+                                </p:cTn>
+                              </p:par>
+                            </p:childTnLst>
+                          </p:cTn>
+                        </p:par>
+                      </p:childTnLst>
+                    </p:cTn>
+                  </p:par>
+                  <p:par>
+                    <p:cTn id="28" fill="hold">
+                      <p:stCondLst>
+                        <p:cond delay="indefinite"/>
+                      </p:stCondLst>
+                      <p:childTnLst>
+                        <p:par>
+                          <p:cTn id="29" fill="hold">
+                            <p:stCondLst>
+                              <p:cond delay="0"/>
+                            </p:stCondLst>
+                            <p:childTnLst>
+                              <p:par>
+                                <p:cTn id="30" presetID="22" presetClass="entr" presetSubtype="4" fill="hold" grpId="0" nodeType="clickEffect">
+                                  <p:stCondLst>
+                                    <p:cond delay="0"/>
+                                  </p:stCondLst>
+                                  <p:childTnLst>
+                                    <p:set>
+                                      <p:cBhvr>
+                                        <p:cTn id="31" dur="1" fill="hold">
+                                          <p:stCondLst>
+                                            <p:cond delay="0"/>
+                                          </p:stCondLst>
+                                        </p:cTn>
+                                        <p:tgtEl>
+                                          <p:spTgt spid="3">
+                                            <p:txEl>
+                                              <p:pRg st="4" end="4"/>
+                                            </p:txEl>
+                                          </p:spTgt>
+                                        </p:tgtEl>
+                                        <p:attrNameLst>
+                                          <p:attrName>style.visibility</p:attrName>
+                                        </p:attrNameLst>
+                                      </p:cBhvr>
+                                      <p:to>
+                                        <p:strVal val="visible"/>
+                                      </p:to>
+                                    </p:set>
+                                    <p:animEffect transition="in" filter="wipe(down)">
+                                      <p:cBhvr>
+                                        <p:cTn id="32" dur="500"/>
+                                        <p:tgtEl>
+                                          <p:spTgt spid="3">
+                                            <p:txEl>
+                                              <p:pRg st="4" end="4"/>
+                                            </p:txEl>
+                                          </p:spTgt>
+                                        </p:tgtEl>
+                                      </p:cBhvr>
+                                    </p:animEffect>
+                                  </p:childTnLst>
+                                </p:cTn>
+                              </p:par>
+                            </p:childTnLst>
+                          </p:cTn>
+                        </p:par>
+                      </p:childTnLst>
+                    </p:cTn>
+                  </p:par>
+                </p:childTnLst>
+              </p:cTn>
+              <p:prevCondLst>
+                <p:cond evt="onPrev" delay="0">
+                  <p:tgtEl>
+                    <p:sldTgt/>
+                  </p:tgtEl>
+                </p:cond>
+              </p:prevCondLst>
+              <p:nextCondLst>
+                <p:cond evt="onNext" delay="0">
+                  <p:tgtEl>
+                    <p:sldTgt/>
+                  </p:tgtEl>
+                </p:cond>
+              </p:nextCondLst>
+            </p:seq>
+          </p:childTnLst>
+        </p:cTn>
+      </p:par>
+    </p:tnLst>
+    <p:bldLst>
+      <p:bldP spid="2" grpId="0"/>
+      <p:bldP spid="3" grpId="0" build="p"/>
+    </p:bldLst>
+  </p:timing>
 </p:sld>
 </file>
 
